--- a/gaze-estimation-based-bh2021.pptx
+++ b/gaze-estimation-based-bh2021.pptx
@@ -5,7 +5,7 @@
     <p:sldMasterId id="2147483648" r:id="rId1"/>
   </p:sldMasterIdLst>
   <p:notesMasterIdLst>
-    <p:notesMasterId r:id="rId12"/>
+    <p:notesMasterId r:id="rId18"/>
   </p:notesMasterIdLst>
   <p:sldIdLst>
     <p:sldId id="256" r:id="rId2"/>
@@ -17,7 +17,13 @@
     <p:sldId id="262" r:id="rId8"/>
     <p:sldId id="264" r:id="rId9"/>
     <p:sldId id="265" r:id="rId10"/>
-    <p:sldId id="263" r:id="rId11"/>
+    <p:sldId id="266" r:id="rId11"/>
+    <p:sldId id="271" r:id="rId12"/>
+    <p:sldId id="263" r:id="rId13"/>
+    <p:sldId id="268" r:id="rId14"/>
+    <p:sldId id="269" r:id="rId15"/>
+    <p:sldId id="270" r:id="rId16"/>
+    <p:sldId id="267" r:id="rId17"/>
   </p:sldIdLst>
   <p:sldSz cx="12192000" cy="6858000"/>
   <p:notesSz cx="6858000" cy="9144000"/>
@@ -116,6 +122,11 @@
       </a:defRPr>
     </a:lvl9pPr>
   </p:defaultTextStyle>
+  <p:extLst>
+    <p:ext uri="{EFAFB233-063F-42B5-8137-9DF3F51BA10A}">
+      <p15:sldGuideLst xmlns:p15="http://schemas.microsoft.com/office/powerpoint/2012/main"/>
+    </p:ext>
+  </p:extLst>
 </p:presentation>
 </file>
 
@@ -201,7 +212,7 @@
           <a:p>
             <a:fld id="{87590369-9867-41F6-ADC5-6F9E40A186F3}" type="datetimeFigureOut">
               <a:rPr lang="zh-CN" altLang="en-US" smtClean="0"/>
-              <a:t>2021/5/9</a:t>
+              <a:t>2021/5/12</a:t>
             </a:fld>
             <a:endParaRPr lang="zh-CN" altLang="en-US"/>
           </a:p>
@@ -265,38 +276,37 @@
           <a:p>
             <a:pPr lvl="0"/>
             <a:r>
-              <a:rPr lang="zh-CN" altLang="en-US" smtClean="0"/>
+              <a:rPr lang="zh-CN" altLang="en-US"/>
               <a:t>编辑母版文本样式</a:t>
             </a:r>
           </a:p>
           <a:p>
             <a:pPr lvl="1"/>
             <a:r>
-              <a:rPr lang="zh-CN" altLang="en-US" smtClean="0"/>
+              <a:rPr lang="zh-CN" altLang="en-US"/>
               <a:t>第二级</a:t>
             </a:r>
           </a:p>
           <a:p>
             <a:pPr lvl="2"/>
             <a:r>
-              <a:rPr lang="zh-CN" altLang="en-US" smtClean="0"/>
+              <a:rPr lang="zh-CN" altLang="en-US"/>
               <a:t>第三级</a:t>
             </a:r>
           </a:p>
           <a:p>
             <a:pPr lvl="3"/>
             <a:r>
-              <a:rPr lang="zh-CN" altLang="en-US" smtClean="0"/>
+              <a:rPr lang="zh-CN" altLang="en-US"/>
               <a:t>第四级</a:t>
             </a:r>
           </a:p>
           <a:p>
             <a:pPr lvl="4"/>
             <a:r>
-              <a:rPr lang="zh-CN" altLang="en-US" smtClean="0"/>
+              <a:rPr lang="zh-CN" altLang="en-US"/>
               <a:t>第五级</a:t>
             </a:r>
-            <a:endParaRPr lang="zh-CN" altLang="en-US"/>
           </a:p>
         </p:txBody>
       </p:sp>
@@ -595,10 +605,9 @@
           </a:lstStyle>
           <a:p>
             <a:r>
-              <a:rPr lang="zh-CN" altLang="en-US" smtClean="0"/>
+              <a:rPr lang="zh-CN" altLang="en-US"/>
               <a:t>单击此处编辑母版标题样式</a:t>
             </a:r>
-            <a:endParaRPr lang="zh-CN" altLang="en-US"/>
           </a:p>
         </p:txBody>
       </p:sp>
@@ -660,10 +669,9 @@
           </a:lstStyle>
           <a:p>
             <a:r>
-              <a:rPr lang="zh-CN" altLang="en-US" smtClean="0"/>
+              <a:rPr lang="zh-CN" altLang="en-US"/>
               <a:t>单击以编辑母版副标题样式</a:t>
             </a:r>
-            <a:endParaRPr lang="zh-CN" altLang="en-US"/>
           </a:p>
         </p:txBody>
       </p:sp>
@@ -684,7 +692,7 @@
           <a:p>
             <a:fld id="{0940F149-7910-40C9-B255-0C4BE312B217}" type="datetimeFigureOut">
               <a:rPr lang="zh-CN" altLang="en-US" smtClean="0"/>
-              <a:t>2021/5/9</a:t>
+              <a:t>2021/5/12</a:t>
             </a:fld>
             <a:endParaRPr lang="zh-CN" altLang="en-US"/>
           </a:p>
@@ -778,10 +786,9 @@
           <a:lstStyle/>
           <a:p>
             <a:r>
-              <a:rPr lang="zh-CN" altLang="en-US" smtClean="0"/>
+              <a:rPr lang="zh-CN" altLang="en-US"/>
               <a:t>单击此处编辑母版标题样式</a:t>
             </a:r>
-            <a:endParaRPr lang="zh-CN" altLang="en-US"/>
           </a:p>
         </p:txBody>
       </p:sp>
@@ -802,38 +809,37 @@
           <a:p>
             <a:pPr lvl="0"/>
             <a:r>
-              <a:rPr lang="zh-CN" altLang="en-US" smtClean="0"/>
+              <a:rPr lang="zh-CN" altLang="en-US"/>
               <a:t>编辑母版文本样式</a:t>
             </a:r>
           </a:p>
           <a:p>
             <a:pPr lvl="1"/>
             <a:r>
-              <a:rPr lang="zh-CN" altLang="en-US" smtClean="0"/>
+              <a:rPr lang="zh-CN" altLang="en-US"/>
               <a:t>第二级</a:t>
             </a:r>
           </a:p>
           <a:p>
             <a:pPr lvl="2"/>
             <a:r>
-              <a:rPr lang="zh-CN" altLang="en-US" smtClean="0"/>
+              <a:rPr lang="zh-CN" altLang="en-US"/>
               <a:t>第三级</a:t>
             </a:r>
           </a:p>
           <a:p>
             <a:pPr lvl="3"/>
             <a:r>
-              <a:rPr lang="zh-CN" altLang="en-US" smtClean="0"/>
+              <a:rPr lang="zh-CN" altLang="en-US"/>
               <a:t>第四级</a:t>
             </a:r>
           </a:p>
           <a:p>
             <a:pPr lvl="4"/>
             <a:r>
-              <a:rPr lang="zh-CN" altLang="en-US" smtClean="0"/>
+              <a:rPr lang="zh-CN" altLang="en-US"/>
               <a:t>第五级</a:t>
             </a:r>
-            <a:endParaRPr lang="zh-CN" altLang="en-US"/>
           </a:p>
         </p:txBody>
       </p:sp>
@@ -854,7 +860,7 @@
           <a:p>
             <a:fld id="{0940F149-7910-40C9-B255-0C4BE312B217}" type="datetimeFigureOut">
               <a:rPr lang="zh-CN" altLang="en-US" smtClean="0"/>
-              <a:t>2021/5/9</a:t>
+              <a:t>2021/5/12</a:t>
             </a:fld>
             <a:endParaRPr lang="zh-CN" altLang="en-US"/>
           </a:p>
@@ -953,10 +959,9 @@
           <a:lstStyle/>
           <a:p>
             <a:r>
-              <a:rPr lang="zh-CN" altLang="en-US" smtClean="0"/>
+              <a:rPr lang="zh-CN" altLang="en-US"/>
               <a:t>单击此处编辑母版标题样式</a:t>
             </a:r>
-            <a:endParaRPr lang="zh-CN" altLang="en-US"/>
           </a:p>
         </p:txBody>
       </p:sp>
@@ -982,38 +987,37 @@
           <a:p>
             <a:pPr lvl="0"/>
             <a:r>
-              <a:rPr lang="zh-CN" altLang="en-US" smtClean="0"/>
+              <a:rPr lang="zh-CN" altLang="en-US"/>
               <a:t>编辑母版文本样式</a:t>
             </a:r>
           </a:p>
           <a:p>
             <a:pPr lvl="1"/>
             <a:r>
-              <a:rPr lang="zh-CN" altLang="en-US" smtClean="0"/>
+              <a:rPr lang="zh-CN" altLang="en-US"/>
               <a:t>第二级</a:t>
             </a:r>
           </a:p>
           <a:p>
             <a:pPr lvl="2"/>
             <a:r>
-              <a:rPr lang="zh-CN" altLang="en-US" smtClean="0"/>
+              <a:rPr lang="zh-CN" altLang="en-US"/>
               <a:t>第三级</a:t>
             </a:r>
           </a:p>
           <a:p>
             <a:pPr lvl="3"/>
             <a:r>
-              <a:rPr lang="zh-CN" altLang="en-US" smtClean="0"/>
+              <a:rPr lang="zh-CN" altLang="en-US"/>
               <a:t>第四级</a:t>
             </a:r>
           </a:p>
           <a:p>
             <a:pPr lvl="4"/>
             <a:r>
-              <a:rPr lang="zh-CN" altLang="en-US" smtClean="0"/>
+              <a:rPr lang="zh-CN" altLang="en-US"/>
               <a:t>第五级</a:t>
             </a:r>
-            <a:endParaRPr lang="zh-CN" altLang="en-US"/>
           </a:p>
         </p:txBody>
       </p:sp>
@@ -1034,7 +1038,7 @@
           <a:p>
             <a:fld id="{0940F149-7910-40C9-B255-0C4BE312B217}" type="datetimeFigureOut">
               <a:rPr lang="zh-CN" altLang="en-US" smtClean="0"/>
-              <a:t>2021/5/9</a:t>
+              <a:t>2021/5/12</a:t>
             </a:fld>
             <a:endParaRPr lang="zh-CN" altLang="en-US"/>
           </a:p>
@@ -1128,10 +1132,9 @@
           <a:lstStyle/>
           <a:p>
             <a:r>
-              <a:rPr lang="zh-CN" altLang="en-US" smtClean="0"/>
+              <a:rPr lang="zh-CN" altLang="en-US"/>
               <a:t>单击此处编辑母版标题样式</a:t>
             </a:r>
-            <a:endParaRPr lang="zh-CN" altLang="en-US"/>
           </a:p>
         </p:txBody>
       </p:sp>
@@ -1152,38 +1155,37 @@
           <a:p>
             <a:pPr lvl="0"/>
             <a:r>
-              <a:rPr lang="zh-CN" altLang="en-US" smtClean="0"/>
+              <a:rPr lang="zh-CN" altLang="en-US"/>
               <a:t>编辑母版文本样式</a:t>
             </a:r>
           </a:p>
           <a:p>
             <a:pPr lvl="1"/>
             <a:r>
-              <a:rPr lang="zh-CN" altLang="en-US" smtClean="0"/>
+              <a:rPr lang="zh-CN" altLang="en-US"/>
               <a:t>第二级</a:t>
             </a:r>
           </a:p>
           <a:p>
             <a:pPr lvl="2"/>
             <a:r>
-              <a:rPr lang="zh-CN" altLang="en-US" smtClean="0"/>
+              <a:rPr lang="zh-CN" altLang="en-US"/>
               <a:t>第三级</a:t>
             </a:r>
           </a:p>
           <a:p>
             <a:pPr lvl="3"/>
             <a:r>
-              <a:rPr lang="zh-CN" altLang="en-US" smtClean="0"/>
+              <a:rPr lang="zh-CN" altLang="en-US"/>
               <a:t>第四级</a:t>
             </a:r>
           </a:p>
           <a:p>
             <a:pPr lvl="4"/>
             <a:r>
-              <a:rPr lang="zh-CN" altLang="en-US" smtClean="0"/>
+              <a:rPr lang="zh-CN" altLang="en-US"/>
               <a:t>第五级</a:t>
             </a:r>
-            <a:endParaRPr lang="zh-CN" altLang="en-US"/>
           </a:p>
         </p:txBody>
       </p:sp>
@@ -1204,7 +1206,7 @@
           <a:p>
             <a:fld id="{0940F149-7910-40C9-B255-0C4BE312B217}" type="datetimeFigureOut">
               <a:rPr lang="zh-CN" altLang="en-US" smtClean="0"/>
-              <a:t>2021/5/9</a:t>
+              <a:t>2021/5/12</a:t>
             </a:fld>
             <a:endParaRPr lang="zh-CN" altLang="en-US"/>
           </a:p>
@@ -1307,10 +1309,9 @@
           </a:lstStyle>
           <a:p>
             <a:r>
-              <a:rPr lang="zh-CN" altLang="en-US" smtClean="0"/>
+              <a:rPr lang="zh-CN" altLang="en-US"/>
               <a:t>单击此处编辑母版标题样式</a:t>
             </a:r>
-            <a:endParaRPr lang="zh-CN" altLang="en-US"/>
           </a:p>
         </p:txBody>
       </p:sp>
@@ -1427,7 +1428,7 @@
           <a:p>
             <a:pPr lvl="0"/>
             <a:r>
-              <a:rPr lang="zh-CN" altLang="en-US" smtClean="0"/>
+              <a:rPr lang="zh-CN" altLang="en-US"/>
               <a:t>编辑母版文本样式</a:t>
             </a:r>
           </a:p>
@@ -1450,7 +1451,7 @@
           <a:p>
             <a:fld id="{0940F149-7910-40C9-B255-0C4BE312B217}" type="datetimeFigureOut">
               <a:rPr lang="zh-CN" altLang="en-US" smtClean="0"/>
-              <a:t>2021/5/9</a:t>
+              <a:t>2021/5/12</a:t>
             </a:fld>
             <a:endParaRPr lang="zh-CN" altLang="en-US"/>
           </a:p>
@@ -1544,10 +1545,9 @@
           <a:lstStyle/>
           <a:p>
             <a:r>
-              <a:rPr lang="zh-CN" altLang="en-US" smtClean="0"/>
+              <a:rPr lang="zh-CN" altLang="en-US"/>
               <a:t>单击此处编辑母版标题样式</a:t>
             </a:r>
-            <a:endParaRPr lang="zh-CN" altLang="en-US"/>
           </a:p>
         </p:txBody>
       </p:sp>
@@ -1573,38 +1573,37 @@
           <a:p>
             <a:pPr lvl="0"/>
             <a:r>
-              <a:rPr lang="zh-CN" altLang="en-US" smtClean="0"/>
+              <a:rPr lang="zh-CN" altLang="en-US"/>
               <a:t>编辑母版文本样式</a:t>
             </a:r>
           </a:p>
           <a:p>
             <a:pPr lvl="1"/>
             <a:r>
-              <a:rPr lang="zh-CN" altLang="en-US" smtClean="0"/>
+              <a:rPr lang="zh-CN" altLang="en-US"/>
               <a:t>第二级</a:t>
             </a:r>
           </a:p>
           <a:p>
             <a:pPr lvl="2"/>
             <a:r>
-              <a:rPr lang="zh-CN" altLang="en-US" smtClean="0"/>
+              <a:rPr lang="zh-CN" altLang="en-US"/>
               <a:t>第三级</a:t>
             </a:r>
           </a:p>
           <a:p>
             <a:pPr lvl="3"/>
             <a:r>
-              <a:rPr lang="zh-CN" altLang="en-US" smtClean="0"/>
+              <a:rPr lang="zh-CN" altLang="en-US"/>
               <a:t>第四级</a:t>
             </a:r>
           </a:p>
           <a:p>
             <a:pPr lvl="4"/>
             <a:r>
-              <a:rPr lang="zh-CN" altLang="en-US" smtClean="0"/>
+              <a:rPr lang="zh-CN" altLang="en-US"/>
               <a:t>第五级</a:t>
             </a:r>
-            <a:endParaRPr lang="zh-CN" altLang="en-US"/>
           </a:p>
         </p:txBody>
       </p:sp>
@@ -1630,38 +1629,37 @@
           <a:p>
             <a:pPr lvl="0"/>
             <a:r>
-              <a:rPr lang="zh-CN" altLang="en-US" smtClean="0"/>
+              <a:rPr lang="zh-CN" altLang="en-US"/>
               <a:t>编辑母版文本样式</a:t>
             </a:r>
           </a:p>
           <a:p>
             <a:pPr lvl="1"/>
             <a:r>
-              <a:rPr lang="zh-CN" altLang="en-US" smtClean="0"/>
+              <a:rPr lang="zh-CN" altLang="en-US"/>
               <a:t>第二级</a:t>
             </a:r>
           </a:p>
           <a:p>
             <a:pPr lvl="2"/>
             <a:r>
-              <a:rPr lang="zh-CN" altLang="en-US" smtClean="0"/>
+              <a:rPr lang="zh-CN" altLang="en-US"/>
               <a:t>第三级</a:t>
             </a:r>
           </a:p>
           <a:p>
             <a:pPr lvl="3"/>
             <a:r>
-              <a:rPr lang="zh-CN" altLang="en-US" smtClean="0"/>
+              <a:rPr lang="zh-CN" altLang="en-US"/>
               <a:t>第四级</a:t>
             </a:r>
           </a:p>
           <a:p>
             <a:pPr lvl="4"/>
             <a:r>
-              <a:rPr lang="zh-CN" altLang="en-US" smtClean="0"/>
+              <a:rPr lang="zh-CN" altLang="en-US"/>
               <a:t>第五级</a:t>
             </a:r>
-            <a:endParaRPr lang="zh-CN" altLang="en-US"/>
           </a:p>
         </p:txBody>
       </p:sp>
@@ -1682,7 +1680,7 @@
           <a:p>
             <a:fld id="{0940F149-7910-40C9-B255-0C4BE312B217}" type="datetimeFigureOut">
               <a:rPr lang="zh-CN" altLang="en-US" smtClean="0"/>
-              <a:t>2021/5/9</a:t>
+              <a:t>2021/5/12</a:t>
             </a:fld>
             <a:endParaRPr lang="zh-CN" altLang="en-US"/>
           </a:p>
@@ -1781,10 +1779,9 @@
           <a:lstStyle/>
           <a:p>
             <a:r>
-              <a:rPr lang="zh-CN" altLang="en-US" smtClean="0"/>
+              <a:rPr lang="zh-CN" altLang="en-US"/>
               <a:t>单击此处编辑母版标题样式</a:t>
             </a:r>
-            <a:endParaRPr lang="zh-CN" altLang="en-US"/>
           </a:p>
         </p:txBody>
       </p:sp>
@@ -1847,7 +1844,7 @@
           <a:p>
             <a:pPr lvl="0"/>
             <a:r>
-              <a:rPr lang="zh-CN" altLang="en-US" smtClean="0"/>
+              <a:rPr lang="zh-CN" altLang="en-US"/>
               <a:t>编辑母版文本样式</a:t>
             </a:r>
           </a:p>
@@ -1875,38 +1872,37 @@
           <a:p>
             <a:pPr lvl="0"/>
             <a:r>
-              <a:rPr lang="zh-CN" altLang="en-US" smtClean="0"/>
+              <a:rPr lang="zh-CN" altLang="en-US"/>
               <a:t>编辑母版文本样式</a:t>
             </a:r>
           </a:p>
           <a:p>
             <a:pPr lvl="1"/>
             <a:r>
-              <a:rPr lang="zh-CN" altLang="en-US" smtClean="0"/>
+              <a:rPr lang="zh-CN" altLang="en-US"/>
               <a:t>第二级</a:t>
             </a:r>
           </a:p>
           <a:p>
             <a:pPr lvl="2"/>
             <a:r>
-              <a:rPr lang="zh-CN" altLang="en-US" smtClean="0"/>
+              <a:rPr lang="zh-CN" altLang="en-US"/>
               <a:t>第三级</a:t>
             </a:r>
           </a:p>
           <a:p>
             <a:pPr lvl="3"/>
             <a:r>
-              <a:rPr lang="zh-CN" altLang="en-US" smtClean="0"/>
+              <a:rPr lang="zh-CN" altLang="en-US"/>
               <a:t>第四级</a:t>
             </a:r>
           </a:p>
           <a:p>
             <a:pPr lvl="4"/>
             <a:r>
-              <a:rPr lang="zh-CN" altLang="en-US" smtClean="0"/>
+              <a:rPr lang="zh-CN" altLang="en-US"/>
               <a:t>第五级</a:t>
             </a:r>
-            <a:endParaRPr lang="zh-CN" altLang="en-US"/>
           </a:p>
         </p:txBody>
       </p:sp>
@@ -1969,7 +1965,7 @@
           <a:p>
             <a:pPr lvl="0"/>
             <a:r>
-              <a:rPr lang="zh-CN" altLang="en-US" smtClean="0"/>
+              <a:rPr lang="zh-CN" altLang="en-US"/>
               <a:t>编辑母版文本样式</a:t>
             </a:r>
           </a:p>
@@ -1997,38 +1993,37 @@
           <a:p>
             <a:pPr lvl="0"/>
             <a:r>
-              <a:rPr lang="zh-CN" altLang="en-US" smtClean="0"/>
+              <a:rPr lang="zh-CN" altLang="en-US"/>
               <a:t>编辑母版文本样式</a:t>
             </a:r>
           </a:p>
           <a:p>
             <a:pPr lvl="1"/>
             <a:r>
-              <a:rPr lang="zh-CN" altLang="en-US" smtClean="0"/>
+              <a:rPr lang="zh-CN" altLang="en-US"/>
               <a:t>第二级</a:t>
             </a:r>
           </a:p>
           <a:p>
             <a:pPr lvl="2"/>
             <a:r>
-              <a:rPr lang="zh-CN" altLang="en-US" smtClean="0"/>
+              <a:rPr lang="zh-CN" altLang="en-US"/>
               <a:t>第三级</a:t>
             </a:r>
           </a:p>
           <a:p>
             <a:pPr lvl="3"/>
             <a:r>
-              <a:rPr lang="zh-CN" altLang="en-US" smtClean="0"/>
+              <a:rPr lang="zh-CN" altLang="en-US"/>
               <a:t>第四级</a:t>
             </a:r>
           </a:p>
           <a:p>
             <a:pPr lvl="4"/>
             <a:r>
-              <a:rPr lang="zh-CN" altLang="en-US" smtClean="0"/>
+              <a:rPr lang="zh-CN" altLang="en-US"/>
               <a:t>第五级</a:t>
             </a:r>
-            <a:endParaRPr lang="zh-CN" altLang="en-US"/>
           </a:p>
         </p:txBody>
       </p:sp>
@@ -2049,7 +2044,7 @@
           <a:p>
             <a:fld id="{0940F149-7910-40C9-B255-0C4BE312B217}" type="datetimeFigureOut">
               <a:rPr lang="zh-CN" altLang="en-US" smtClean="0"/>
-              <a:t>2021/5/9</a:t>
+              <a:t>2021/5/12</a:t>
             </a:fld>
             <a:endParaRPr lang="zh-CN" altLang="en-US"/>
           </a:p>
@@ -2143,10 +2138,9 @@
           <a:lstStyle/>
           <a:p>
             <a:r>
-              <a:rPr lang="zh-CN" altLang="en-US" smtClean="0"/>
+              <a:rPr lang="zh-CN" altLang="en-US"/>
               <a:t>单击此处编辑母版标题样式</a:t>
             </a:r>
-            <a:endParaRPr lang="zh-CN" altLang="en-US"/>
           </a:p>
         </p:txBody>
       </p:sp>
@@ -2167,7 +2161,7 @@
           <a:p>
             <a:fld id="{0940F149-7910-40C9-B255-0C4BE312B217}" type="datetimeFigureOut">
               <a:rPr lang="zh-CN" altLang="en-US" smtClean="0"/>
-              <a:t>2021/5/9</a:t>
+              <a:t>2021/5/12</a:t>
             </a:fld>
             <a:endParaRPr lang="zh-CN" altLang="en-US"/>
           </a:p>
@@ -2262,7 +2256,7 @@
           <a:p>
             <a:fld id="{0940F149-7910-40C9-B255-0C4BE312B217}" type="datetimeFigureOut">
               <a:rPr lang="zh-CN" altLang="en-US" smtClean="0"/>
-              <a:t>2021/5/9</a:t>
+              <a:t>2021/5/12</a:t>
             </a:fld>
             <a:endParaRPr lang="zh-CN" altLang="en-US"/>
           </a:p>
@@ -2365,10 +2359,9 @@
           </a:lstStyle>
           <a:p>
             <a:r>
-              <a:rPr lang="zh-CN" altLang="en-US" smtClean="0"/>
+              <a:rPr lang="zh-CN" altLang="en-US"/>
               <a:t>单击此处编辑母版标题样式</a:t>
             </a:r>
-            <a:endParaRPr lang="zh-CN" altLang="en-US"/>
           </a:p>
         </p:txBody>
       </p:sp>
@@ -2422,38 +2415,37 @@
           <a:p>
             <a:pPr lvl="0"/>
             <a:r>
-              <a:rPr lang="zh-CN" altLang="en-US" smtClean="0"/>
+              <a:rPr lang="zh-CN" altLang="en-US"/>
               <a:t>编辑母版文本样式</a:t>
             </a:r>
           </a:p>
           <a:p>
             <a:pPr lvl="1"/>
             <a:r>
-              <a:rPr lang="zh-CN" altLang="en-US" smtClean="0"/>
+              <a:rPr lang="zh-CN" altLang="en-US"/>
               <a:t>第二级</a:t>
             </a:r>
           </a:p>
           <a:p>
             <a:pPr lvl="2"/>
             <a:r>
-              <a:rPr lang="zh-CN" altLang="en-US" smtClean="0"/>
+              <a:rPr lang="zh-CN" altLang="en-US"/>
               <a:t>第三级</a:t>
             </a:r>
           </a:p>
           <a:p>
             <a:pPr lvl="3"/>
             <a:r>
-              <a:rPr lang="zh-CN" altLang="en-US" smtClean="0"/>
+              <a:rPr lang="zh-CN" altLang="en-US"/>
               <a:t>第四级</a:t>
             </a:r>
           </a:p>
           <a:p>
             <a:pPr lvl="4"/>
             <a:r>
-              <a:rPr lang="zh-CN" altLang="en-US" smtClean="0"/>
+              <a:rPr lang="zh-CN" altLang="en-US"/>
               <a:t>第五级</a:t>
             </a:r>
-            <a:endParaRPr lang="zh-CN" altLang="en-US"/>
           </a:p>
         </p:txBody>
       </p:sp>
@@ -2516,7 +2508,7 @@
           <a:p>
             <a:pPr lvl="0"/>
             <a:r>
-              <a:rPr lang="zh-CN" altLang="en-US" smtClean="0"/>
+              <a:rPr lang="zh-CN" altLang="en-US"/>
               <a:t>编辑母版文本样式</a:t>
             </a:r>
           </a:p>
@@ -2539,7 +2531,7 @@
           <a:p>
             <a:fld id="{0940F149-7910-40C9-B255-0C4BE312B217}" type="datetimeFigureOut">
               <a:rPr lang="zh-CN" altLang="en-US" smtClean="0"/>
-              <a:t>2021/5/9</a:t>
+              <a:t>2021/5/12</a:t>
             </a:fld>
             <a:endParaRPr lang="zh-CN" altLang="en-US"/>
           </a:p>
@@ -2642,10 +2634,9 @@
           </a:lstStyle>
           <a:p>
             <a:r>
-              <a:rPr lang="zh-CN" altLang="en-US" smtClean="0"/>
+              <a:rPr lang="zh-CN" altLang="en-US"/>
               <a:t>单击此处编辑母版标题样式</a:t>
             </a:r>
-            <a:endParaRPr lang="zh-CN" altLang="en-US"/>
           </a:p>
         </p:txBody>
       </p:sp>
@@ -2769,7 +2760,7 @@
           <a:p>
             <a:pPr lvl="0"/>
             <a:r>
-              <a:rPr lang="zh-CN" altLang="en-US" smtClean="0"/>
+              <a:rPr lang="zh-CN" altLang="en-US"/>
               <a:t>编辑母版文本样式</a:t>
             </a:r>
           </a:p>
@@ -2792,7 +2783,7 @@
           <a:p>
             <a:fld id="{0940F149-7910-40C9-B255-0C4BE312B217}" type="datetimeFigureOut">
               <a:rPr lang="zh-CN" altLang="en-US" smtClean="0"/>
-              <a:t>2021/5/9</a:t>
+              <a:t>2021/5/12</a:t>
             </a:fld>
             <a:endParaRPr lang="zh-CN" altLang="en-US"/>
           </a:p>
@@ -2901,10 +2892,9 @@
           <a:lstStyle/>
           <a:p>
             <a:r>
-              <a:rPr lang="zh-CN" altLang="en-US" smtClean="0"/>
+              <a:rPr lang="zh-CN" altLang="en-US"/>
               <a:t>单击此处编辑母版标题样式</a:t>
             </a:r>
-            <a:endParaRPr lang="zh-CN" altLang="en-US"/>
           </a:p>
         </p:txBody>
       </p:sp>
@@ -2935,38 +2925,37 @@
           <a:p>
             <a:pPr lvl="0"/>
             <a:r>
-              <a:rPr lang="zh-CN" altLang="en-US" smtClean="0"/>
+              <a:rPr lang="zh-CN" altLang="en-US"/>
               <a:t>编辑母版文本样式</a:t>
             </a:r>
           </a:p>
           <a:p>
             <a:pPr lvl="1"/>
             <a:r>
-              <a:rPr lang="zh-CN" altLang="en-US" smtClean="0"/>
+              <a:rPr lang="zh-CN" altLang="en-US"/>
               <a:t>第二级</a:t>
             </a:r>
           </a:p>
           <a:p>
             <a:pPr lvl="2"/>
             <a:r>
-              <a:rPr lang="zh-CN" altLang="en-US" smtClean="0"/>
+              <a:rPr lang="zh-CN" altLang="en-US"/>
               <a:t>第三级</a:t>
             </a:r>
           </a:p>
           <a:p>
             <a:pPr lvl="3"/>
             <a:r>
-              <a:rPr lang="zh-CN" altLang="en-US" smtClean="0"/>
+              <a:rPr lang="zh-CN" altLang="en-US"/>
               <a:t>第四级</a:t>
             </a:r>
           </a:p>
           <a:p>
             <a:pPr lvl="4"/>
             <a:r>
-              <a:rPr lang="zh-CN" altLang="en-US" smtClean="0"/>
+              <a:rPr lang="zh-CN" altLang="en-US"/>
               <a:t>第五级</a:t>
             </a:r>
-            <a:endParaRPr lang="zh-CN" altLang="en-US"/>
           </a:p>
         </p:txBody>
       </p:sp>
@@ -3005,7 +2994,7 @@
           <a:p>
             <a:fld id="{0940F149-7910-40C9-B255-0C4BE312B217}" type="datetimeFigureOut">
               <a:rPr lang="zh-CN" altLang="en-US" smtClean="0"/>
-              <a:t>2021/5/9</a:t>
+              <a:t>2021/5/12</a:t>
             </a:fld>
             <a:endParaRPr lang="zh-CN" altLang="en-US"/>
           </a:p>
@@ -3639,7 +3628,7 @@
           <a:p>
             <a:fld id="{767F9191-78F9-4FCE-96FD-F2BC0432A873}" type="datetime1">
               <a:rPr lang="zh-CN" altLang="en-US" smtClean="0"/>
-              <a:t>2021/5/9</a:t>
+              <a:t>2021/5/12</a:t>
             </a:fld>
             <a:endParaRPr lang="zh-CN" altLang="en-US"/>
           </a:p>
@@ -3678,15 +3667,15 @@
   <p:clrMapOvr>
     <a:masterClrMapping/>
   </p:clrMapOvr>
-  <mc:AlternateContent xmlns:mc="http://schemas.openxmlformats.org/markup-compatibility/2006" xmlns:p14="http://schemas.microsoft.com/office/powerpoint/2010/main">
-    <mc:Choice Requires="p14">
-      <p:transition>
-        <p:comb dir="vert"/>
+  <mc:AlternateContent xmlns:mc="http://schemas.openxmlformats.org/markup-compatibility/2006">
+    <mc:Choice xmlns:p159="http://schemas.microsoft.com/office/powerpoint/2015/09/main" Requires="p159">
+      <p:transition xmlns:p14="http://schemas.microsoft.com/office/powerpoint/2010/main" spd="slow" p14:dur="2000">
+        <p159:morph option="byObject"/>
       </p:transition>
     </mc:Choice>
-    <mc:Fallback xmlns="">
-      <p:transition>
-        <p:comb dir="vert"/>
+    <mc:Fallback>
+      <p:transition spd="slow">
+        <p:fade/>
       </p:transition>
     </mc:Fallback>
   </mc:AlternateContent>
@@ -3835,7 +3824,7 @@
           <a:p>
             <a:fld id="{B1B8AE59-1B73-4E84-98C7-193348E90160}" type="datetime1">
               <a:rPr lang="zh-CN" altLang="en-US" smtClean="0"/>
-              <a:t>2021/5/9</a:t>
+              <a:t>2021/5/12</a:t>
             </a:fld>
             <a:endParaRPr lang="zh-CN" altLang="en-US"/>
           </a:p>
@@ -3864,6 +3853,512 @@
           </a:p>
         </p:txBody>
       </p:sp>
+      <p:pic>
+        <p:nvPicPr>
+          <p:cNvPr id="3" name="图片 2"/>
+          <p:cNvPicPr>
+            <a:picLocks noChangeAspect="1"/>
+          </p:cNvPicPr>
+          <p:nvPr/>
+        </p:nvPicPr>
+        <p:blipFill>
+          <a:blip r:embed="rId2"/>
+          <a:stretch>
+            <a:fillRect/>
+          </a:stretch>
+        </p:blipFill>
+        <p:spPr>
+          <a:xfrm>
+            <a:off x="529100" y="1241894"/>
+            <a:ext cx="5085714" cy="1066667"/>
+          </a:xfrm>
+          <a:prstGeom prst="rect">
+            <a:avLst/>
+          </a:prstGeom>
+        </p:spPr>
+      </p:pic>
+      <p:sp>
+        <p:nvSpPr>
+          <p:cNvPr id="12" name="文本框 11"/>
+          <p:cNvSpPr txBox="1"/>
+          <p:nvPr/>
+        </p:nvSpPr>
+        <p:spPr>
+          <a:xfrm>
+            <a:off x="4164375" y="6301162"/>
+            <a:ext cx="4304145" cy="369332"/>
+          </a:xfrm>
+          <a:prstGeom prst="rect">
+            <a:avLst/>
+          </a:prstGeom>
+          <a:noFill/>
+        </p:spPr>
+        <p:txBody>
+          <a:bodyPr wrap="square" rtlCol="0">
+            <a:spAutoFit/>
+          </a:bodyPr>
+          <a:lstStyle/>
+          <a:p>
+            <a:r>
+              <a:rPr lang="en-US" altLang="zh-CN" dirty="0"/>
+              <a:t>4.Gaze estimation with videos</a:t>
+            </a:r>
+            <a:endParaRPr lang="zh-CN" altLang="en-US" dirty="0"/>
+          </a:p>
+        </p:txBody>
+      </p:sp>
+      <p:pic>
+        <p:nvPicPr>
+          <p:cNvPr id="2" name="图片 1">
+            <a:extLst>
+              <a:ext uri="{FF2B5EF4-FFF2-40B4-BE49-F238E27FC236}">
+                <a16:creationId xmlns:a16="http://schemas.microsoft.com/office/drawing/2014/main" id="{D48A79A7-BCE1-475B-8045-9D7DBDBF12C4}"/>
+              </a:ext>
+            </a:extLst>
+          </p:cNvPr>
+          <p:cNvPicPr>
+            <a:picLocks noChangeAspect="1"/>
+          </p:cNvPicPr>
+          <p:nvPr/>
+        </p:nvPicPr>
+        <p:blipFill>
+          <a:blip r:embed="rId3"/>
+          <a:stretch>
+            <a:fillRect/>
+          </a:stretch>
+        </p:blipFill>
+        <p:spPr>
+          <a:xfrm>
+            <a:off x="2436191" y="2234155"/>
+            <a:ext cx="7600499" cy="4011935"/>
+          </a:xfrm>
+          <a:prstGeom prst="rect">
+            <a:avLst/>
+          </a:prstGeom>
+        </p:spPr>
+      </p:pic>
+    </p:spTree>
+    <p:extLst>
+      <p:ext uri="{BB962C8B-B14F-4D97-AF65-F5344CB8AC3E}">
+        <p14:creationId xmlns:p14="http://schemas.microsoft.com/office/powerpoint/2010/main" val="1106198077"/>
+      </p:ext>
+    </p:extLst>
+  </p:cSld>
+  <p:clrMapOvr>
+    <a:masterClrMapping/>
+  </p:clrMapOvr>
+  <mc:AlternateContent xmlns:mc="http://schemas.openxmlformats.org/markup-compatibility/2006">
+    <mc:Choice xmlns:p159="http://schemas.microsoft.com/office/powerpoint/2015/09/main" Requires="p159">
+      <p:transition xmlns:p14="http://schemas.microsoft.com/office/powerpoint/2010/main" spd="slow" p14:dur="2000">
+        <p159:morph option="byObject"/>
+      </p:transition>
+    </mc:Choice>
+    <mc:Fallback>
+      <p:transition spd="slow">
+        <p:fade/>
+      </p:transition>
+    </mc:Fallback>
+  </mc:AlternateContent>
+</p:sld>
+</file>
+
+<file path=ppt/slides/slide11.xml><?xml version="1.0" encoding="utf-8"?>
+<p:sld xmlns:a="http://schemas.openxmlformats.org/drawingml/2006/main" xmlns:r="http://schemas.openxmlformats.org/officeDocument/2006/relationships" xmlns:p="http://schemas.openxmlformats.org/presentationml/2006/main">
+  <p:cSld>
+    <p:spTree>
+      <p:nvGrpSpPr>
+        <p:cNvPr id="1" name=""/>
+        <p:cNvGrpSpPr/>
+        <p:nvPr/>
+      </p:nvGrpSpPr>
+      <p:grpSpPr>
+        <a:xfrm>
+          <a:off x="0" y="0"/>
+          <a:ext cx="0" cy="0"/>
+          <a:chOff x="0" y="0"/>
+          <a:chExt cx="0" cy="0"/>
+        </a:xfrm>
+      </p:grpSpPr>
+      <p:sp>
+        <p:nvSpPr>
+          <p:cNvPr id="10" name="文本框 37"/>
+          <p:cNvSpPr txBox="1"/>
+          <p:nvPr/>
+        </p:nvSpPr>
+        <p:spPr>
+          <a:xfrm>
+            <a:off x="264088" y="242132"/>
+            <a:ext cx="4344206" cy="622108"/>
+          </a:xfrm>
+          <a:prstGeom prst="rect">
+            <a:avLst/>
+          </a:prstGeom>
+          <a:noFill/>
+        </p:spPr>
+        <p:txBody>
+          <a:bodyPr wrap="square" lIns="128539" tIns="64269" rIns="128539" bIns="64269" rtlCol="0">
+            <a:spAutoFit/>
+          </a:bodyPr>
+          <a:lstStyle/>
+          <a:p>
+            <a:pPr defTabSz="1284822"/>
+            <a:r>
+              <a:rPr lang="en-US" altLang="zh-CN" sz="3199" b="1" dirty="0">
+                <a:solidFill>
+                  <a:schemeClr val="tx1">
+                    <a:lumMod val="75000"/>
+                    <a:lumOff val="25000"/>
+                  </a:schemeClr>
+                </a:solidFill>
+                <a:effectLst>
+                  <a:outerShdw blurRad="38100" dist="38100" dir="2700000" algn="tl">
+                    <a:srgbClr val="000000">
+                      <a:alpha val="43137"/>
+                    </a:srgbClr>
+                  </a:outerShdw>
+                </a:effectLst>
+                <a:latin typeface="博洋行书 7000" panose="02000600000000000000" pitchFamily="2" charset="-122"/>
+                <a:ea typeface="博洋行书 7000" panose="02000600000000000000" pitchFamily="2" charset="-122"/>
+                <a:cs typeface="博洋行书 7000" panose="02000600000000000000" pitchFamily="2" charset="-122"/>
+                <a:sym typeface="+mn-lt"/>
+              </a:rPr>
+              <a:t>Gaze estimation</a:t>
+            </a:r>
+            <a:endParaRPr lang="zh-CN" altLang="en-US" sz="3199" b="1" dirty="0">
+              <a:solidFill>
+                <a:schemeClr val="tx1">
+                  <a:lumMod val="75000"/>
+                  <a:lumOff val="25000"/>
+                </a:schemeClr>
+              </a:solidFill>
+              <a:effectLst>
+                <a:outerShdw blurRad="38100" dist="38100" dir="2700000" algn="tl">
+                  <a:srgbClr val="000000">
+                    <a:alpha val="43137"/>
+                  </a:srgbClr>
+                </a:outerShdw>
+              </a:effectLst>
+              <a:latin typeface="博洋行书 7000" panose="02000600000000000000" pitchFamily="2" charset="-122"/>
+              <a:ea typeface="博洋行书 7000" panose="02000600000000000000" pitchFamily="2" charset="-122"/>
+              <a:cs typeface="博洋行书 7000" panose="02000600000000000000" pitchFamily="2" charset="-122"/>
+              <a:sym typeface="+mn-lt"/>
+            </a:endParaRPr>
+          </a:p>
+        </p:txBody>
+      </p:sp>
+      <p:sp>
+        <p:nvSpPr>
+          <p:cNvPr id="11" name="文本框 38"/>
+          <p:cNvSpPr txBox="1"/>
+          <p:nvPr/>
+        </p:nvSpPr>
+        <p:spPr>
+          <a:xfrm>
+            <a:off x="529100" y="866008"/>
+            <a:ext cx="1775649" cy="375886"/>
+          </a:xfrm>
+          <a:prstGeom prst="rect">
+            <a:avLst/>
+          </a:prstGeom>
+          <a:noFill/>
+        </p:spPr>
+        <p:txBody>
+          <a:bodyPr wrap="square" lIns="128539" tIns="64269" rIns="128539" bIns="64269" rtlCol="0">
+            <a:spAutoFit/>
+          </a:bodyPr>
+          <a:lstStyle/>
+          <a:p>
+            <a:pPr algn="dist" defTabSz="1284822"/>
+            <a:r>
+              <a:rPr lang="en-US" altLang="zh-CN" sz="1599" dirty="0">
+                <a:solidFill>
+                  <a:schemeClr val="tx1">
+                    <a:lumMod val="65000"/>
+                    <a:lumOff val="35000"/>
+                  </a:schemeClr>
+                </a:solidFill>
+                <a:latin typeface="博洋行书 7000" panose="02000600000000000000" pitchFamily="2" charset="-122"/>
+                <a:ea typeface="博洋行书 7000" panose="02000600000000000000" pitchFamily="2" charset="-122"/>
+                <a:cs typeface="博洋行书 7000" panose="02000600000000000000" pitchFamily="2" charset="-122"/>
+                <a:sym typeface="+mn-lt"/>
+              </a:rPr>
+              <a:t>introduction</a:t>
+            </a:r>
+          </a:p>
+        </p:txBody>
+      </p:sp>
+      <p:sp>
+        <p:nvSpPr>
+          <p:cNvPr id="4" name="日期占位符 3"/>
+          <p:cNvSpPr>
+            <a:spLocks noGrp="1"/>
+          </p:cNvSpPr>
+          <p:nvPr>
+            <p:ph type="dt" sz="half" idx="10"/>
+          </p:nvPr>
+        </p:nvSpPr>
+        <p:spPr/>
+        <p:txBody>
+          <a:bodyPr/>
+          <a:lstStyle/>
+          <a:p>
+            <a:fld id="{B1B8AE59-1B73-4E84-98C7-193348E90160}" type="datetime1">
+              <a:rPr lang="zh-CN" altLang="en-US" smtClean="0"/>
+              <a:t>2021/5/12</a:t>
+            </a:fld>
+            <a:endParaRPr lang="zh-CN" altLang="en-US"/>
+          </a:p>
+        </p:txBody>
+      </p:sp>
+      <p:sp>
+        <p:nvSpPr>
+          <p:cNvPr id="8" name="灯片编号占位符 7"/>
+          <p:cNvSpPr>
+            <a:spLocks noGrp="1"/>
+          </p:cNvSpPr>
+          <p:nvPr>
+            <p:ph type="sldNum" sz="quarter" idx="12"/>
+          </p:nvPr>
+        </p:nvSpPr>
+        <p:spPr/>
+        <p:txBody>
+          <a:bodyPr/>
+          <a:lstStyle/>
+          <a:p>
+            <a:fld id="{06D2EDEE-018F-4012-A1B4-6387EBE5E632}" type="slidenum">
+              <a:rPr lang="zh-CN" altLang="en-US" smtClean="0"/>
+              <a:t>11</a:t>
+            </a:fld>
+            <a:endParaRPr lang="zh-CN" altLang="en-US"/>
+          </a:p>
+        </p:txBody>
+      </p:sp>
+      <p:pic>
+        <p:nvPicPr>
+          <p:cNvPr id="5" name="图片 4">
+            <a:extLst>
+              <a:ext uri="{FF2B5EF4-FFF2-40B4-BE49-F238E27FC236}">
+                <a16:creationId xmlns:a16="http://schemas.microsoft.com/office/drawing/2014/main" id="{5643CF63-E9EE-4D5B-B606-D6EBC9544935}"/>
+              </a:ext>
+            </a:extLst>
+          </p:cNvPr>
+          <p:cNvPicPr>
+            <a:picLocks noChangeAspect="1"/>
+          </p:cNvPicPr>
+          <p:nvPr/>
+        </p:nvPicPr>
+        <p:blipFill>
+          <a:blip r:embed="rId2"/>
+          <a:stretch>
+            <a:fillRect/>
+          </a:stretch>
+        </p:blipFill>
+        <p:spPr>
+          <a:xfrm>
+            <a:off x="363586" y="1386751"/>
+            <a:ext cx="4244708" cy="1356478"/>
+          </a:xfrm>
+          <a:prstGeom prst="rect">
+            <a:avLst/>
+          </a:prstGeom>
+        </p:spPr>
+      </p:pic>
+    </p:spTree>
+    <p:extLst>
+      <p:ext uri="{BB962C8B-B14F-4D97-AF65-F5344CB8AC3E}">
+        <p14:creationId xmlns:p14="http://schemas.microsoft.com/office/powerpoint/2010/main" val="4106241667"/>
+      </p:ext>
+    </p:extLst>
+  </p:cSld>
+  <p:clrMapOvr>
+    <a:masterClrMapping/>
+  </p:clrMapOvr>
+  <mc:AlternateContent xmlns:mc="http://schemas.openxmlformats.org/markup-compatibility/2006">
+    <mc:Choice xmlns:p159="http://schemas.microsoft.com/office/powerpoint/2015/09/main" Requires="p159">
+      <p:transition xmlns:p14="http://schemas.microsoft.com/office/powerpoint/2010/main" spd="slow" p14:dur="2000">
+        <p159:morph option="byObject"/>
+      </p:transition>
+    </mc:Choice>
+    <mc:Fallback>
+      <p:transition spd="slow">
+        <p:fade/>
+      </p:transition>
+    </mc:Fallback>
+  </mc:AlternateContent>
+</p:sld>
+</file>
+
+<file path=ppt/slides/slide12.xml><?xml version="1.0" encoding="utf-8"?>
+<p:sld xmlns:a="http://schemas.openxmlformats.org/drawingml/2006/main" xmlns:r="http://schemas.openxmlformats.org/officeDocument/2006/relationships" xmlns:p="http://schemas.openxmlformats.org/presentationml/2006/main">
+  <p:cSld>
+    <p:spTree>
+      <p:nvGrpSpPr>
+        <p:cNvPr id="1" name=""/>
+        <p:cNvGrpSpPr/>
+        <p:nvPr/>
+      </p:nvGrpSpPr>
+      <p:grpSpPr>
+        <a:xfrm>
+          <a:off x="0" y="0"/>
+          <a:ext cx="0" cy="0"/>
+          <a:chOff x="0" y="0"/>
+          <a:chExt cx="0" cy="0"/>
+        </a:xfrm>
+      </p:grpSpPr>
+      <p:sp>
+        <p:nvSpPr>
+          <p:cNvPr id="10" name="文本框 37"/>
+          <p:cNvSpPr txBox="1"/>
+          <p:nvPr/>
+        </p:nvSpPr>
+        <p:spPr>
+          <a:xfrm>
+            <a:off x="264088" y="242132"/>
+            <a:ext cx="4344206" cy="622108"/>
+          </a:xfrm>
+          <a:prstGeom prst="rect">
+            <a:avLst/>
+          </a:prstGeom>
+          <a:noFill/>
+        </p:spPr>
+        <p:txBody>
+          <a:bodyPr wrap="square" lIns="128539" tIns="64269" rIns="128539" bIns="64269" rtlCol="0">
+            <a:spAutoFit/>
+          </a:bodyPr>
+          <a:lstStyle/>
+          <a:p>
+            <a:pPr defTabSz="1284822"/>
+            <a:r>
+              <a:rPr lang="en-US" altLang="zh-CN" sz="3199" b="1" dirty="0">
+                <a:solidFill>
+                  <a:schemeClr val="tx1">
+                    <a:lumMod val="75000"/>
+                    <a:lumOff val="25000"/>
+                  </a:schemeClr>
+                </a:solidFill>
+                <a:effectLst>
+                  <a:outerShdw blurRad="38100" dist="38100" dir="2700000" algn="tl">
+                    <a:srgbClr val="000000">
+                      <a:alpha val="43137"/>
+                    </a:srgbClr>
+                  </a:outerShdw>
+                </a:effectLst>
+                <a:latin typeface="博洋行书 7000" panose="02000600000000000000" pitchFamily="2" charset="-122"/>
+                <a:ea typeface="博洋行书 7000" panose="02000600000000000000" pitchFamily="2" charset="-122"/>
+                <a:cs typeface="博洋行书 7000" panose="02000600000000000000" pitchFamily="2" charset="-122"/>
+                <a:sym typeface="+mn-lt"/>
+              </a:rPr>
+              <a:t>Gaze estimation</a:t>
+            </a:r>
+            <a:endParaRPr lang="zh-CN" altLang="en-US" sz="3199" b="1" dirty="0">
+              <a:solidFill>
+                <a:schemeClr val="tx1">
+                  <a:lumMod val="75000"/>
+                  <a:lumOff val="25000"/>
+                </a:schemeClr>
+              </a:solidFill>
+              <a:effectLst>
+                <a:outerShdw blurRad="38100" dist="38100" dir="2700000" algn="tl">
+                  <a:srgbClr val="000000">
+                    <a:alpha val="43137"/>
+                  </a:srgbClr>
+                </a:outerShdw>
+              </a:effectLst>
+              <a:latin typeface="博洋行书 7000" panose="02000600000000000000" pitchFamily="2" charset="-122"/>
+              <a:ea typeface="博洋行书 7000" panose="02000600000000000000" pitchFamily="2" charset="-122"/>
+              <a:cs typeface="博洋行书 7000" panose="02000600000000000000" pitchFamily="2" charset="-122"/>
+              <a:sym typeface="+mn-lt"/>
+            </a:endParaRPr>
+          </a:p>
+        </p:txBody>
+      </p:sp>
+      <p:sp>
+        <p:nvSpPr>
+          <p:cNvPr id="11" name="文本框 38"/>
+          <p:cNvSpPr txBox="1"/>
+          <p:nvPr/>
+        </p:nvSpPr>
+        <p:spPr>
+          <a:xfrm>
+            <a:off x="529100" y="866008"/>
+            <a:ext cx="1775649" cy="375886"/>
+          </a:xfrm>
+          <a:prstGeom prst="rect">
+            <a:avLst/>
+          </a:prstGeom>
+          <a:noFill/>
+        </p:spPr>
+        <p:txBody>
+          <a:bodyPr wrap="square" lIns="128539" tIns="64269" rIns="128539" bIns="64269" rtlCol="0">
+            <a:spAutoFit/>
+          </a:bodyPr>
+          <a:lstStyle/>
+          <a:p>
+            <a:pPr algn="dist" defTabSz="1284822"/>
+            <a:r>
+              <a:rPr lang="en-US" altLang="zh-CN" sz="1599" dirty="0">
+                <a:solidFill>
+                  <a:schemeClr val="tx1">
+                    <a:lumMod val="65000"/>
+                    <a:lumOff val="35000"/>
+                  </a:schemeClr>
+                </a:solidFill>
+                <a:latin typeface="博洋行书 7000" panose="02000600000000000000" pitchFamily="2" charset="-122"/>
+                <a:ea typeface="博洋行书 7000" panose="02000600000000000000" pitchFamily="2" charset="-122"/>
+                <a:cs typeface="博洋行书 7000" panose="02000600000000000000" pitchFamily="2" charset="-122"/>
+                <a:sym typeface="+mn-lt"/>
+              </a:rPr>
+              <a:t>introduction</a:t>
+            </a:r>
+          </a:p>
+        </p:txBody>
+      </p:sp>
+      <p:sp>
+        <p:nvSpPr>
+          <p:cNvPr id="4" name="日期占位符 3"/>
+          <p:cNvSpPr>
+            <a:spLocks noGrp="1"/>
+          </p:cNvSpPr>
+          <p:nvPr>
+            <p:ph type="dt" sz="half" idx="10"/>
+          </p:nvPr>
+        </p:nvSpPr>
+        <p:spPr/>
+        <p:txBody>
+          <a:bodyPr/>
+          <a:lstStyle/>
+          <a:p>
+            <a:fld id="{B1B8AE59-1B73-4E84-98C7-193348E90160}" type="datetime1">
+              <a:rPr lang="zh-CN" altLang="en-US" smtClean="0"/>
+              <a:t>2021/5/12</a:t>
+            </a:fld>
+            <a:endParaRPr lang="zh-CN" altLang="en-US"/>
+          </a:p>
+        </p:txBody>
+      </p:sp>
+      <p:sp>
+        <p:nvSpPr>
+          <p:cNvPr id="8" name="灯片编号占位符 7"/>
+          <p:cNvSpPr>
+            <a:spLocks noGrp="1"/>
+          </p:cNvSpPr>
+          <p:nvPr>
+            <p:ph type="sldNum" sz="quarter" idx="12"/>
+          </p:nvPr>
+        </p:nvSpPr>
+        <p:spPr/>
+        <p:txBody>
+          <a:bodyPr/>
+          <a:lstStyle/>
+          <a:p>
+            <a:fld id="{06D2EDEE-018F-4012-A1B4-6387EBE5E632}" type="slidenum">
+              <a:rPr lang="zh-CN" altLang="en-US" smtClean="0"/>
+              <a:t>12</a:t>
+            </a:fld>
+            <a:endParaRPr lang="zh-CN" altLang="en-US"/>
+          </a:p>
+        </p:txBody>
+      </p:sp>
       <p:sp>
         <p:nvSpPr>
           <p:cNvPr id="7" name="矩形 6"/>
@@ -3873,7 +4368,7 @@
         <p:spPr>
           <a:xfrm>
             <a:off x="1632882" y="2661152"/>
-            <a:ext cx="7664278" cy="1938351"/>
+            <a:ext cx="7664278" cy="2307555"/>
           </a:xfrm>
           <a:prstGeom prst="rect">
             <a:avLst/>
@@ -3892,32 +4387,11 @@
                 </a:solidFill>
                 <a:latin typeface="Arial" panose="020B0604020202020204" pitchFamily="34" charset="0"/>
               </a:rPr>
-              <a:t>苏黎世</a:t>
-            </a:r>
-            <a:r>
-              <a:rPr lang="zh-CN" altLang="en-US" sz="2399" dirty="0">
-                <a:solidFill>
-                  <a:srgbClr val="333333"/>
-                </a:solidFill>
-                <a:latin typeface="Arial" panose="020B0604020202020204" pitchFamily="34" charset="0"/>
-              </a:rPr>
-              <a:t>理工</a:t>
+              <a:t>苏黎世理工</a:t>
             </a:r>
             <a:r>
               <a:rPr lang="en-US" altLang="zh-CN" sz="2399" dirty="0"/>
-              <a:t> AIT </a:t>
-            </a:r>
-            <a:r>
-              <a:rPr lang="en-US" altLang="zh-CN" sz="2399" dirty="0"/>
-              <a:t>Lab----https</a:t>
-            </a:r>
-            <a:r>
-              <a:rPr lang="en-US" altLang="zh-CN" sz="2399" dirty="0"/>
-              <a:t>://</a:t>
-            </a:r>
-            <a:r>
-              <a:rPr lang="en-US" altLang="zh-CN" sz="2399" dirty="0"/>
-              <a:t>ait.ethz.ch/index.php</a:t>
+              <a:t> AIT Lab----https://ait.ethz.ch/index.php</a:t>
             </a:r>
           </a:p>
           <a:p>
@@ -3931,15 +4405,7 @@
             </a:r>
             <a:r>
               <a:rPr lang="en-US" altLang="zh-CN" sz="2399" dirty="0"/>
-              <a:t>----https</a:t>
-            </a:r>
-            <a:r>
-              <a:rPr lang="en-US" altLang="zh-CN" sz="2399" dirty="0"/>
-              <a:t>://</a:t>
-            </a:r>
-            <a:r>
-              <a:rPr lang="en-US" altLang="zh-CN" sz="2399" dirty="0"/>
-              <a:t>www.idiap.ch/en</a:t>
+              <a:t>----https://www.idiap.ch/en</a:t>
             </a:r>
           </a:p>
           <a:p>
@@ -3959,18 +4425,97 @@
             </a:r>
             <a:r>
               <a:rPr lang="en-US" altLang="zh-CN" sz="2399" dirty="0"/>
-              <a:t>----http://</a:t>
-            </a:r>
-            <a:r>
-              <a:rPr lang="en-US" altLang="zh-CN" sz="2399" dirty="0"/>
-              <a:t>phi-ai.org/default.htm</a:t>
-            </a:r>
+              <a:t>----http://phi-ai.org/default.htm</a:t>
+            </a:r>
+          </a:p>
+          <a:p>
+            <a:r>
+              <a:rPr lang="en-US" altLang="zh-CN" sz="2399" dirty="0">
+                <a:hlinkClick r:id="rId2"/>
+              </a:rPr>
+              <a:t>http://phi-ai.org/Gazehub/</a:t>
+            </a:r>
+            <a:endParaRPr lang="en-US" altLang="zh-CN" sz="2399" dirty="0"/>
           </a:p>
           <a:p>
             <a:endParaRPr lang="zh-CN" altLang="en-US" sz="2399" dirty="0"/>
           </a:p>
         </p:txBody>
       </p:sp>
+      <p:sp>
+        <p:nvSpPr>
+          <p:cNvPr id="2" name="矩形 1">
+            <a:extLst>
+              <a:ext uri="{FF2B5EF4-FFF2-40B4-BE49-F238E27FC236}">
+                <a16:creationId xmlns:a16="http://schemas.microsoft.com/office/drawing/2014/main" id="{3799564E-39DF-402B-BC1D-0AF7947B25B9}"/>
+              </a:ext>
+            </a:extLst>
+          </p:cNvPr>
+          <p:cNvSpPr/>
+          <p:nvPr/>
+        </p:nvSpPr>
+        <p:spPr>
+          <a:xfrm>
+            <a:off x="1897380" y="5154761"/>
+            <a:ext cx="6926580" cy="646331"/>
+          </a:xfrm>
+          <a:prstGeom prst="rect">
+            <a:avLst/>
+          </a:prstGeom>
+        </p:spPr>
+        <p:txBody>
+          <a:bodyPr wrap="square">
+            <a:spAutoFit/>
+          </a:bodyPr>
+          <a:lstStyle/>
+          <a:p>
+            <a:r>
+              <a:rPr lang="zh-CN" altLang="en-US" dirty="0">
+                <a:hlinkClick r:id="rId3"/>
+              </a:rPr>
+              <a:t>https://github.com/RichardoMrMu/awesome-gaze-estimation-new</a:t>
+            </a:r>
+            <a:endParaRPr lang="en-US" altLang="zh-CN" dirty="0"/>
+          </a:p>
+          <a:p>
+            <a:r>
+              <a:rPr lang="en-US" altLang="zh-CN" dirty="0"/>
+              <a:t>https://github.com/RichardoMrMu/gaze-estimation-paper</a:t>
+            </a:r>
+            <a:endParaRPr lang="zh-CN" altLang="en-US" dirty="0"/>
+          </a:p>
+        </p:txBody>
+      </p:sp>
+      <p:pic>
+        <p:nvPicPr>
+          <p:cNvPr id="5" name="图片 4">
+            <a:extLst>
+              <a:ext uri="{FF2B5EF4-FFF2-40B4-BE49-F238E27FC236}">
+                <a16:creationId xmlns:a16="http://schemas.microsoft.com/office/drawing/2014/main" id="{F1E45020-0456-40E4-B7B8-C313602CB627}"/>
+              </a:ext>
+            </a:extLst>
+          </p:cNvPr>
+          <p:cNvPicPr>
+            <a:picLocks noChangeAspect="1"/>
+          </p:cNvPicPr>
+          <p:nvPr/>
+        </p:nvPicPr>
+        <p:blipFill>
+          <a:blip r:embed="rId4"/>
+          <a:stretch>
+            <a:fillRect/>
+          </a:stretch>
+        </p:blipFill>
+        <p:spPr>
+          <a:xfrm>
+            <a:off x="264088" y="942396"/>
+            <a:ext cx="11690093" cy="5136325"/>
+          </a:xfrm>
+          <a:prstGeom prst="rect">
+            <a:avLst/>
+          </a:prstGeom>
+        </p:spPr>
+      </p:pic>
     </p:spTree>
     <p:extLst>
       <p:ext uri="{BB962C8B-B14F-4D97-AF65-F5344CB8AC3E}">
@@ -3981,18 +4526,1068 @@
   <p:clrMapOvr>
     <a:masterClrMapping/>
   </p:clrMapOvr>
-  <mc:AlternateContent xmlns:mc="http://schemas.openxmlformats.org/markup-compatibility/2006" xmlns:p14="http://schemas.microsoft.com/office/powerpoint/2010/main">
-    <mc:Choice Requires="p14">
-      <p:transition>
-        <p:comb dir="vert"/>
+  <mc:AlternateContent xmlns:mc="http://schemas.openxmlformats.org/markup-compatibility/2006">
+    <mc:Choice xmlns:p159="http://schemas.microsoft.com/office/powerpoint/2015/09/main" Requires="p159">
+      <p:transition xmlns:p14="http://schemas.microsoft.com/office/powerpoint/2010/main" spd="slow" p14:dur="2000">
+        <p159:morph option="byObject"/>
       </p:transition>
     </mc:Choice>
-    <mc:Fallback xmlns="">
-      <p:transition>
-        <p:comb dir="vert"/>
+    <mc:Fallback>
+      <p:transition spd="slow">
+        <p:fade/>
       </p:transition>
     </mc:Fallback>
   </mc:AlternateContent>
+  <p:timing>
+    <p:tnLst>
+      <p:par>
+        <p:cTn id="1" dur="indefinite" restart="never" nodeType="tmRoot">
+          <p:childTnLst>
+            <p:seq concurrent="1" nextAc="seek">
+              <p:cTn id="2" dur="indefinite" nodeType="mainSeq">
+                <p:childTnLst>
+                  <p:par>
+                    <p:cTn id="3" fill="hold">
+                      <p:stCondLst>
+                        <p:cond delay="indefinite"/>
+                      </p:stCondLst>
+                      <p:childTnLst>
+                        <p:par>
+                          <p:cTn id="4" fill="hold">
+                            <p:stCondLst>
+                              <p:cond delay="0"/>
+                            </p:stCondLst>
+                            <p:childTnLst>
+                              <p:par>
+                                <p:cTn id="5" presetID="1" presetClass="entr" presetSubtype="0" fill="hold" nodeType="clickEffect">
+                                  <p:stCondLst>
+                                    <p:cond delay="0"/>
+                                  </p:stCondLst>
+                                  <p:childTnLst>
+                                    <p:set>
+                                      <p:cBhvr>
+                                        <p:cTn id="6" dur="1" fill="hold">
+                                          <p:stCondLst>
+                                            <p:cond delay="0"/>
+                                          </p:stCondLst>
+                                        </p:cTn>
+                                        <p:tgtEl>
+                                          <p:spTgt spid="5"/>
+                                        </p:tgtEl>
+                                        <p:attrNameLst>
+                                          <p:attrName>style.visibility</p:attrName>
+                                        </p:attrNameLst>
+                                      </p:cBhvr>
+                                      <p:to>
+                                        <p:strVal val="visible"/>
+                                      </p:to>
+                                    </p:set>
+                                  </p:childTnLst>
+                                </p:cTn>
+                              </p:par>
+                            </p:childTnLst>
+                          </p:cTn>
+                        </p:par>
+                      </p:childTnLst>
+                    </p:cTn>
+                  </p:par>
+                </p:childTnLst>
+              </p:cTn>
+              <p:prevCondLst>
+                <p:cond evt="onPrev" delay="0">
+                  <p:tgtEl>
+                    <p:sldTgt/>
+                  </p:tgtEl>
+                </p:cond>
+              </p:prevCondLst>
+              <p:nextCondLst>
+                <p:cond evt="onNext" delay="0">
+                  <p:tgtEl>
+                    <p:sldTgt/>
+                  </p:tgtEl>
+                </p:cond>
+              </p:nextCondLst>
+            </p:seq>
+          </p:childTnLst>
+        </p:cTn>
+      </p:par>
+    </p:tnLst>
+  </p:timing>
+</p:sld>
+</file>
+
+<file path=ppt/slides/slide13.xml><?xml version="1.0" encoding="utf-8"?>
+<p:sld xmlns:a="http://schemas.openxmlformats.org/drawingml/2006/main" xmlns:r="http://schemas.openxmlformats.org/officeDocument/2006/relationships" xmlns:p="http://schemas.openxmlformats.org/presentationml/2006/main">
+  <p:cSld>
+    <p:spTree>
+      <p:nvGrpSpPr>
+        <p:cNvPr id="1" name=""/>
+        <p:cNvGrpSpPr/>
+        <p:nvPr/>
+      </p:nvGrpSpPr>
+      <p:grpSpPr>
+        <a:xfrm>
+          <a:off x="0" y="0"/>
+          <a:ext cx="0" cy="0"/>
+          <a:chOff x="0" y="0"/>
+          <a:chExt cx="0" cy="0"/>
+        </a:xfrm>
+      </p:grpSpPr>
+      <p:sp>
+        <p:nvSpPr>
+          <p:cNvPr id="10" name="文本框 37"/>
+          <p:cNvSpPr txBox="1"/>
+          <p:nvPr/>
+        </p:nvSpPr>
+        <p:spPr>
+          <a:xfrm>
+            <a:off x="264088" y="242132"/>
+            <a:ext cx="4344206" cy="622108"/>
+          </a:xfrm>
+          <a:prstGeom prst="rect">
+            <a:avLst/>
+          </a:prstGeom>
+          <a:noFill/>
+        </p:spPr>
+        <p:txBody>
+          <a:bodyPr wrap="square" lIns="128539" tIns="64269" rIns="128539" bIns="64269" rtlCol="0">
+            <a:spAutoFit/>
+          </a:bodyPr>
+          <a:lstStyle/>
+          <a:p>
+            <a:pPr defTabSz="1284822"/>
+            <a:r>
+              <a:rPr lang="en-US" altLang="zh-CN" sz="3199" b="1" dirty="0">
+                <a:solidFill>
+                  <a:schemeClr val="tx1">
+                    <a:lumMod val="75000"/>
+                    <a:lumOff val="25000"/>
+                  </a:schemeClr>
+                </a:solidFill>
+                <a:effectLst>
+                  <a:outerShdw blurRad="38100" dist="38100" dir="2700000" algn="tl">
+                    <a:srgbClr val="000000">
+                      <a:alpha val="43137"/>
+                    </a:srgbClr>
+                  </a:outerShdw>
+                </a:effectLst>
+                <a:latin typeface="博洋行书 7000" panose="02000600000000000000" pitchFamily="2" charset="-122"/>
+                <a:ea typeface="博洋行书 7000" panose="02000600000000000000" pitchFamily="2" charset="-122"/>
+                <a:cs typeface="博洋行书 7000" panose="02000600000000000000" pitchFamily="2" charset="-122"/>
+                <a:sym typeface="+mn-lt"/>
+              </a:rPr>
+              <a:t>Gaze estimation</a:t>
+            </a:r>
+            <a:endParaRPr lang="zh-CN" altLang="en-US" sz="3199" b="1" dirty="0">
+              <a:solidFill>
+                <a:schemeClr val="tx1">
+                  <a:lumMod val="75000"/>
+                  <a:lumOff val="25000"/>
+                </a:schemeClr>
+              </a:solidFill>
+              <a:effectLst>
+                <a:outerShdw blurRad="38100" dist="38100" dir="2700000" algn="tl">
+                  <a:srgbClr val="000000">
+                    <a:alpha val="43137"/>
+                  </a:srgbClr>
+                </a:outerShdw>
+              </a:effectLst>
+              <a:latin typeface="博洋行书 7000" panose="02000600000000000000" pitchFamily="2" charset="-122"/>
+              <a:ea typeface="博洋行书 7000" panose="02000600000000000000" pitchFamily="2" charset="-122"/>
+              <a:cs typeface="博洋行书 7000" panose="02000600000000000000" pitchFamily="2" charset="-122"/>
+              <a:sym typeface="+mn-lt"/>
+            </a:endParaRPr>
+          </a:p>
+        </p:txBody>
+      </p:sp>
+      <p:sp>
+        <p:nvSpPr>
+          <p:cNvPr id="11" name="文本框 38"/>
+          <p:cNvSpPr txBox="1"/>
+          <p:nvPr/>
+        </p:nvSpPr>
+        <p:spPr>
+          <a:xfrm>
+            <a:off x="529100" y="866008"/>
+            <a:ext cx="1775649" cy="375886"/>
+          </a:xfrm>
+          <a:prstGeom prst="rect">
+            <a:avLst/>
+          </a:prstGeom>
+          <a:noFill/>
+        </p:spPr>
+        <p:txBody>
+          <a:bodyPr wrap="square" lIns="128539" tIns="64269" rIns="128539" bIns="64269" rtlCol="0">
+            <a:spAutoFit/>
+          </a:bodyPr>
+          <a:lstStyle/>
+          <a:p>
+            <a:pPr algn="dist" defTabSz="1284822"/>
+            <a:r>
+              <a:rPr lang="en-US" altLang="zh-CN" sz="1599" dirty="0">
+                <a:solidFill>
+                  <a:schemeClr val="tx1">
+                    <a:lumMod val="65000"/>
+                    <a:lumOff val="35000"/>
+                  </a:schemeClr>
+                </a:solidFill>
+                <a:latin typeface="博洋行书 7000" panose="02000600000000000000" pitchFamily="2" charset="-122"/>
+                <a:ea typeface="博洋行书 7000" panose="02000600000000000000" pitchFamily="2" charset="-122"/>
+                <a:cs typeface="博洋行书 7000" panose="02000600000000000000" pitchFamily="2" charset="-122"/>
+                <a:sym typeface="+mn-lt"/>
+              </a:rPr>
+              <a:t>introduction</a:t>
+            </a:r>
+          </a:p>
+        </p:txBody>
+      </p:sp>
+      <p:sp>
+        <p:nvSpPr>
+          <p:cNvPr id="4" name="日期占位符 3"/>
+          <p:cNvSpPr>
+            <a:spLocks noGrp="1"/>
+          </p:cNvSpPr>
+          <p:nvPr>
+            <p:ph type="dt" sz="half" idx="10"/>
+          </p:nvPr>
+        </p:nvSpPr>
+        <p:spPr/>
+        <p:txBody>
+          <a:bodyPr/>
+          <a:lstStyle/>
+          <a:p>
+            <a:fld id="{B1B8AE59-1B73-4E84-98C7-193348E90160}" type="datetime1">
+              <a:rPr lang="zh-CN" altLang="en-US" smtClean="0"/>
+              <a:t>2021/5/12</a:t>
+            </a:fld>
+            <a:endParaRPr lang="zh-CN" altLang="en-US"/>
+          </a:p>
+        </p:txBody>
+      </p:sp>
+      <p:sp>
+        <p:nvSpPr>
+          <p:cNvPr id="8" name="灯片编号占位符 7"/>
+          <p:cNvSpPr>
+            <a:spLocks noGrp="1"/>
+          </p:cNvSpPr>
+          <p:nvPr>
+            <p:ph type="sldNum" sz="quarter" idx="12"/>
+          </p:nvPr>
+        </p:nvSpPr>
+        <p:spPr/>
+        <p:txBody>
+          <a:bodyPr/>
+          <a:lstStyle/>
+          <a:p>
+            <a:fld id="{06D2EDEE-018F-4012-A1B4-6387EBE5E632}" type="slidenum">
+              <a:rPr lang="zh-CN" altLang="en-US" smtClean="0"/>
+              <a:t>13</a:t>
+            </a:fld>
+            <a:endParaRPr lang="zh-CN" altLang="en-US"/>
+          </a:p>
+        </p:txBody>
+      </p:sp>
+      <p:sp>
+        <p:nvSpPr>
+          <p:cNvPr id="2" name="矩形 1">
+            <a:extLst>
+              <a:ext uri="{FF2B5EF4-FFF2-40B4-BE49-F238E27FC236}">
+                <a16:creationId xmlns:a16="http://schemas.microsoft.com/office/drawing/2014/main" id="{3799564E-39DF-402B-BC1D-0AF7947B25B9}"/>
+              </a:ext>
+            </a:extLst>
+          </p:cNvPr>
+          <p:cNvSpPr/>
+          <p:nvPr/>
+        </p:nvSpPr>
+        <p:spPr>
+          <a:xfrm>
+            <a:off x="1897380" y="5154761"/>
+            <a:ext cx="6926580" cy="646331"/>
+          </a:xfrm>
+          <a:prstGeom prst="rect">
+            <a:avLst/>
+          </a:prstGeom>
+        </p:spPr>
+        <p:txBody>
+          <a:bodyPr wrap="square">
+            <a:spAutoFit/>
+          </a:bodyPr>
+          <a:lstStyle/>
+          <a:p>
+            <a:r>
+              <a:rPr lang="zh-CN" altLang="en-US" dirty="0">
+                <a:hlinkClick r:id="rId2"/>
+              </a:rPr>
+              <a:t>https://github.com/RichardoMrMu/awesome-gaze-estimation-new</a:t>
+            </a:r>
+            <a:endParaRPr lang="en-US" altLang="zh-CN" dirty="0"/>
+          </a:p>
+          <a:p>
+            <a:r>
+              <a:rPr lang="en-US" altLang="zh-CN" dirty="0"/>
+              <a:t>https://github.com/RichardoMrMu/gaze-estimation-paper</a:t>
+            </a:r>
+            <a:endParaRPr lang="zh-CN" altLang="en-US" dirty="0"/>
+          </a:p>
+        </p:txBody>
+      </p:sp>
+      <p:pic>
+        <p:nvPicPr>
+          <p:cNvPr id="3" name="图片 2">
+            <a:extLst>
+              <a:ext uri="{FF2B5EF4-FFF2-40B4-BE49-F238E27FC236}">
+                <a16:creationId xmlns:a16="http://schemas.microsoft.com/office/drawing/2014/main" id="{2EBF7043-555C-47C9-B5C0-220BDFE53933}"/>
+              </a:ext>
+            </a:extLst>
+          </p:cNvPr>
+          <p:cNvPicPr>
+            <a:picLocks noChangeAspect="1"/>
+          </p:cNvPicPr>
+          <p:nvPr/>
+        </p:nvPicPr>
+        <p:blipFill>
+          <a:blip r:embed="rId3"/>
+          <a:stretch>
+            <a:fillRect/>
+          </a:stretch>
+        </p:blipFill>
+        <p:spPr>
+          <a:xfrm>
+            <a:off x="2209800" y="1516214"/>
+            <a:ext cx="6759526" cy="3200677"/>
+          </a:xfrm>
+          <a:prstGeom prst="rect">
+            <a:avLst/>
+          </a:prstGeom>
+        </p:spPr>
+      </p:pic>
+    </p:spTree>
+    <p:extLst>
+      <p:ext uri="{BB962C8B-B14F-4D97-AF65-F5344CB8AC3E}">
+        <p14:creationId xmlns:p14="http://schemas.microsoft.com/office/powerpoint/2010/main" val="930006535"/>
+      </p:ext>
+    </p:extLst>
+  </p:cSld>
+  <p:clrMapOvr>
+    <a:masterClrMapping/>
+  </p:clrMapOvr>
+  <mc:AlternateContent xmlns:mc="http://schemas.openxmlformats.org/markup-compatibility/2006">
+    <mc:Choice xmlns:p159="http://schemas.microsoft.com/office/powerpoint/2015/09/main" Requires="p159">
+      <p:transition xmlns:p14="http://schemas.microsoft.com/office/powerpoint/2010/main" spd="slow" p14:dur="2000">
+        <p159:morph option="byObject"/>
+      </p:transition>
+    </mc:Choice>
+    <mc:Fallback>
+      <p:transition spd="slow">
+        <p:fade/>
+      </p:transition>
+    </mc:Fallback>
+  </mc:AlternateContent>
+</p:sld>
+</file>
+
+<file path=ppt/slides/slide14.xml><?xml version="1.0" encoding="utf-8"?>
+<p:sld xmlns:a="http://schemas.openxmlformats.org/drawingml/2006/main" xmlns:r="http://schemas.openxmlformats.org/officeDocument/2006/relationships" xmlns:p="http://schemas.openxmlformats.org/presentationml/2006/main">
+  <p:cSld>
+    <p:spTree>
+      <p:nvGrpSpPr>
+        <p:cNvPr id="1" name=""/>
+        <p:cNvGrpSpPr/>
+        <p:nvPr/>
+      </p:nvGrpSpPr>
+      <p:grpSpPr>
+        <a:xfrm>
+          <a:off x="0" y="0"/>
+          <a:ext cx="0" cy="0"/>
+          <a:chOff x="0" y="0"/>
+          <a:chExt cx="0" cy="0"/>
+        </a:xfrm>
+      </p:grpSpPr>
+      <p:sp>
+        <p:nvSpPr>
+          <p:cNvPr id="10" name="文本框 37"/>
+          <p:cNvSpPr txBox="1"/>
+          <p:nvPr/>
+        </p:nvSpPr>
+        <p:spPr>
+          <a:xfrm>
+            <a:off x="264088" y="242132"/>
+            <a:ext cx="4344206" cy="622108"/>
+          </a:xfrm>
+          <a:prstGeom prst="rect">
+            <a:avLst/>
+          </a:prstGeom>
+          <a:noFill/>
+        </p:spPr>
+        <p:txBody>
+          <a:bodyPr wrap="square" lIns="128539" tIns="64269" rIns="128539" bIns="64269" rtlCol="0">
+            <a:spAutoFit/>
+          </a:bodyPr>
+          <a:lstStyle/>
+          <a:p>
+            <a:pPr defTabSz="1284822"/>
+            <a:r>
+              <a:rPr lang="en-US" altLang="zh-CN" sz="3199" b="1" dirty="0">
+                <a:solidFill>
+                  <a:schemeClr val="tx1">
+                    <a:lumMod val="75000"/>
+                    <a:lumOff val="25000"/>
+                  </a:schemeClr>
+                </a:solidFill>
+                <a:effectLst>
+                  <a:outerShdw blurRad="38100" dist="38100" dir="2700000" algn="tl">
+                    <a:srgbClr val="000000">
+                      <a:alpha val="43137"/>
+                    </a:srgbClr>
+                  </a:outerShdw>
+                </a:effectLst>
+                <a:latin typeface="博洋行书 7000" panose="02000600000000000000" pitchFamily="2" charset="-122"/>
+                <a:ea typeface="博洋行书 7000" panose="02000600000000000000" pitchFamily="2" charset="-122"/>
+                <a:cs typeface="博洋行书 7000" panose="02000600000000000000" pitchFamily="2" charset="-122"/>
+                <a:sym typeface="+mn-lt"/>
+              </a:rPr>
+              <a:t>Gaze estimation</a:t>
+            </a:r>
+            <a:endParaRPr lang="zh-CN" altLang="en-US" sz="3199" b="1" dirty="0">
+              <a:solidFill>
+                <a:schemeClr val="tx1">
+                  <a:lumMod val="75000"/>
+                  <a:lumOff val="25000"/>
+                </a:schemeClr>
+              </a:solidFill>
+              <a:effectLst>
+                <a:outerShdw blurRad="38100" dist="38100" dir="2700000" algn="tl">
+                  <a:srgbClr val="000000">
+                    <a:alpha val="43137"/>
+                  </a:srgbClr>
+                </a:outerShdw>
+              </a:effectLst>
+              <a:latin typeface="博洋行书 7000" panose="02000600000000000000" pitchFamily="2" charset="-122"/>
+              <a:ea typeface="博洋行书 7000" panose="02000600000000000000" pitchFamily="2" charset="-122"/>
+              <a:cs typeface="博洋行书 7000" panose="02000600000000000000" pitchFamily="2" charset="-122"/>
+              <a:sym typeface="+mn-lt"/>
+            </a:endParaRPr>
+          </a:p>
+        </p:txBody>
+      </p:sp>
+      <p:sp>
+        <p:nvSpPr>
+          <p:cNvPr id="11" name="文本框 38"/>
+          <p:cNvSpPr txBox="1"/>
+          <p:nvPr/>
+        </p:nvSpPr>
+        <p:spPr>
+          <a:xfrm>
+            <a:off x="529100" y="866008"/>
+            <a:ext cx="1775649" cy="375886"/>
+          </a:xfrm>
+          <a:prstGeom prst="rect">
+            <a:avLst/>
+          </a:prstGeom>
+          <a:noFill/>
+        </p:spPr>
+        <p:txBody>
+          <a:bodyPr wrap="square" lIns="128539" tIns="64269" rIns="128539" bIns="64269" rtlCol="0">
+            <a:spAutoFit/>
+          </a:bodyPr>
+          <a:lstStyle/>
+          <a:p>
+            <a:pPr algn="dist" defTabSz="1284822"/>
+            <a:r>
+              <a:rPr lang="en-US" altLang="zh-CN" sz="1599" dirty="0">
+                <a:solidFill>
+                  <a:schemeClr val="tx1">
+                    <a:lumMod val="65000"/>
+                    <a:lumOff val="35000"/>
+                  </a:schemeClr>
+                </a:solidFill>
+                <a:latin typeface="博洋行书 7000" panose="02000600000000000000" pitchFamily="2" charset="-122"/>
+                <a:ea typeface="博洋行书 7000" panose="02000600000000000000" pitchFamily="2" charset="-122"/>
+                <a:cs typeface="博洋行书 7000" panose="02000600000000000000" pitchFamily="2" charset="-122"/>
+                <a:sym typeface="+mn-lt"/>
+              </a:rPr>
+              <a:t>introduction</a:t>
+            </a:r>
+          </a:p>
+        </p:txBody>
+      </p:sp>
+      <p:sp>
+        <p:nvSpPr>
+          <p:cNvPr id="4" name="日期占位符 3"/>
+          <p:cNvSpPr>
+            <a:spLocks noGrp="1"/>
+          </p:cNvSpPr>
+          <p:nvPr>
+            <p:ph type="dt" sz="half" idx="10"/>
+          </p:nvPr>
+        </p:nvSpPr>
+        <p:spPr/>
+        <p:txBody>
+          <a:bodyPr/>
+          <a:lstStyle/>
+          <a:p>
+            <a:fld id="{B1B8AE59-1B73-4E84-98C7-193348E90160}" type="datetime1">
+              <a:rPr lang="zh-CN" altLang="en-US" smtClean="0"/>
+              <a:t>2021/5/12</a:t>
+            </a:fld>
+            <a:endParaRPr lang="zh-CN" altLang="en-US"/>
+          </a:p>
+        </p:txBody>
+      </p:sp>
+      <p:sp>
+        <p:nvSpPr>
+          <p:cNvPr id="8" name="灯片编号占位符 7"/>
+          <p:cNvSpPr>
+            <a:spLocks noGrp="1"/>
+          </p:cNvSpPr>
+          <p:nvPr>
+            <p:ph type="sldNum" sz="quarter" idx="12"/>
+          </p:nvPr>
+        </p:nvSpPr>
+        <p:spPr/>
+        <p:txBody>
+          <a:bodyPr/>
+          <a:lstStyle/>
+          <a:p>
+            <a:fld id="{06D2EDEE-018F-4012-A1B4-6387EBE5E632}" type="slidenum">
+              <a:rPr lang="zh-CN" altLang="en-US" smtClean="0"/>
+              <a:t>14</a:t>
+            </a:fld>
+            <a:endParaRPr lang="zh-CN" altLang="en-US"/>
+          </a:p>
+        </p:txBody>
+      </p:sp>
+      <p:sp>
+        <p:nvSpPr>
+          <p:cNvPr id="2" name="矩形 1">
+            <a:extLst>
+              <a:ext uri="{FF2B5EF4-FFF2-40B4-BE49-F238E27FC236}">
+                <a16:creationId xmlns:a16="http://schemas.microsoft.com/office/drawing/2014/main" id="{3799564E-39DF-402B-BC1D-0AF7947B25B9}"/>
+              </a:ext>
+            </a:extLst>
+          </p:cNvPr>
+          <p:cNvSpPr/>
+          <p:nvPr/>
+        </p:nvSpPr>
+        <p:spPr>
+          <a:xfrm>
+            <a:off x="1897380" y="5154761"/>
+            <a:ext cx="6926580" cy="646331"/>
+          </a:xfrm>
+          <a:prstGeom prst="rect">
+            <a:avLst/>
+          </a:prstGeom>
+        </p:spPr>
+        <p:txBody>
+          <a:bodyPr wrap="square">
+            <a:spAutoFit/>
+          </a:bodyPr>
+          <a:lstStyle/>
+          <a:p>
+            <a:r>
+              <a:rPr lang="zh-CN" altLang="en-US" dirty="0">
+                <a:hlinkClick r:id="rId2"/>
+              </a:rPr>
+              <a:t>https://github.com/RichardoMrMu/awesome-gaze-estimation-new</a:t>
+            </a:r>
+            <a:endParaRPr lang="en-US" altLang="zh-CN" dirty="0"/>
+          </a:p>
+          <a:p>
+            <a:r>
+              <a:rPr lang="en-US" altLang="zh-CN" dirty="0"/>
+              <a:t>https://github.com/RichardoMrMu/gaze-estimation-paper</a:t>
+            </a:r>
+            <a:endParaRPr lang="zh-CN" altLang="en-US" dirty="0"/>
+          </a:p>
+        </p:txBody>
+      </p:sp>
+      <p:pic>
+        <p:nvPicPr>
+          <p:cNvPr id="5" name="图片 4">
+            <a:extLst>
+              <a:ext uri="{FF2B5EF4-FFF2-40B4-BE49-F238E27FC236}">
+                <a16:creationId xmlns:a16="http://schemas.microsoft.com/office/drawing/2014/main" id="{06F67EDD-B7A2-40AF-B989-8E23819F9354}"/>
+              </a:ext>
+            </a:extLst>
+          </p:cNvPr>
+          <p:cNvPicPr>
+            <a:picLocks noChangeAspect="1"/>
+          </p:cNvPicPr>
+          <p:nvPr/>
+        </p:nvPicPr>
+        <p:blipFill>
+          <a:blip r:embed="rId3"/>
+          <a:stretch>
+            <a:fillRect/>
+          </a:stretch>
+        </p:blipFill>
+        <p:spPr>
+          <a:xfrm>
+            <a:off x="2436191" y="864240"/>
+            <a:ext cx="6637595" cy="4275190"/>
+          </a:xfrm>
+          <a:prstGeom prst="rect">
+            <a:avLst/>
+          </a:prstGeom>
+        </p:spPr>
+      </p:pic>
+    </p:spTree>
+    <p:extLst>
+      <p:ext uri="{BB962C8B-B14F-4D97-AF65-F5344CB8AC3E}">
+        <p14:creationId xmlns:p14="http://schemas.microsoft.com/office/powerpoint/2010/main" val="640640361"/>
+      </p:ext>
+    </p:extLst>
+  </p:cSld>
+  <p:clrMapOvr>
+    <a:masterClrMapping/>
+  </p:clrMapOvr>
+  <mc:AlternateContent xmlns:mc="http://schemas.openxmlformats.org/markup-compatibility/2006">
+    <mc:Choice xmlns:p159="http://schemas.microsoft.com/office/powerpoint/2015/09/main" Requires="p159">
+      <p:transition xmlns:p14="http://schemas.microsoft.com/office/powerpoint/2010/main" spd="slow" p14:dur="2000">
+        <p159:morph option="byObject"/>
+      </p:transition>
+    </mc:Choice>
+    <mc:Fallback>
+      <p:transition spd="slow">
+        <p:fade/>
+      </p:transition>
+    </mc:Fallback>
+  </mc:AlternateContent>
+</p:sld>
+</file>
+
+<file path=ppt/slides/slide15.xml><?xml version="1.0" encoding="utf-8"?>
+<p:sld xmlns:a="http://schemas.openxmlformats.org/drawingml/2006/main" xmlns:r="http://schemas.openxmlformats.org/officeDocument/2006/relationships" xmlns:p="http://schemas.openxmlformats.org/presentationml/2006/main">
+  <p:cSld>
+    <p:spTree>
+      <p:nvGrpSpPr>
+        <p:cNvPr id="1" name=""/>
+        <p:cNvGrpSpPr/>
+        <p:nvPr/>
+      </p:nvGrpSpPr>
+      <p:grpSpPr>
+        <a:xfrm>
+          <a:off x="0" y="0"/>
+          <a:ext cx="0" cy="0"/>
+          <a:chOff x="0" y="0"/>
+          <a:chExt cx="0" cy="0"/>
+        </a:xfrm>
+      </p:grpSpPr>
+      <p:sp>
+        <p:nvSpPr>
+          <p:cNvPr id="10" name="文本框 37"/>
+          <p:cNvSpPr txBox="1"/>
+          <p:nvPr/>
+        </p:nvSpPr>
+        <p:spPr>
+          <a:xfrm>
+            <a:off x="264088" y="242132"/>
+            <a:ext cx="4344206" cy="622108"/>
+          </a:xfrm>
+          <a:prstGeom prst="rect">
+            <a:avLst/>
+          </a:prstGeom>
+          <a:noFill/>
+        </p:spPr>
+        <p:txBody>
+          <a:bodyPr wrap="square" lIns="128539" tIns="64269" rIns="128539" bIns="64269" rtlCol="0">
+            <a:spAutoFit/>
+          </a:bodyPr>
+          <a:lstStyle/>
+          <a:p>
+            <a:pPr defTabSz="1284822"/>
+            <a:r>
+              <a:rPr lang="en-US" altLang="zh-CN" sz="3199" b="1" dirty="0">
+                <a:solidFill>
+                  <a:schemeClr val="tx1">
+                    <a:lumMod val="75000"/>
+                    <a:lumOff val="25000"/>
+                  </a:schemeClr>
+                </a:solidFill>
+                <a:effectLst>
+                  <a:outerShdw blurRad="38100" dist="38100" dir="2700000" algn="tl">
+                    <a:srgbClr val="000000">
+                      <a:alpha val="43137"/>
+                    </a:srgbClr>
+                  </a:outerShdw>
+                </a:effectLst>
+                <a:latin typeface="博洋行书 7000" panose="02000600000000000000" pitchFamily="2" charset="-122"/>
+                <a:ea typeface="博洋行书 7000" panose="02000600000000000000" pitchFamily="2" charset="-122"/>
+                <a:cs typeface="博洋行书 7000" panose="02000600000000000000" pitchFamily="2" charset="-122"/>
+                <a:sym typeface="+mn-lt"/>
+              </a:rPr>
+              <a:t>Gaze estimation</a:t>
+            </a:r>
+            <a:endParaRPr lang="zh-CN" altLang="en-US" sz="3199" b="1" dirty="0">
+              <a:solidFill>
+                <a:schemeClr val="tx1">
+                  <a:lumMod val="75000"/>
+                  <a:lumOff val="25000"/>
+                </a:schemeClr>
+              </a:solidFill>
+              <a:effectLst>
+                <a:outerShdw blurRad="38100" dist="38100" dir="2700000" algn="tl">
+                  <a:srgbClr val="000000">
+                    <a:alpha val="43137"/>
+                  </a:srgbClr>
+                </a:outerShdw>
+              </a:effectLst>
+              <a:latin typeface="博洋行书 7000" panose="02000600000000000000" pitchFamily="2" charset="-122"/>
+              <a:ea typeface="博洋行书 7000" panose="02000600000000000000" pitchFamily="2" charset="-122"/>
+              <a:cs typeface="博洋行书 7000" panose="02000600000000000000" pitchFamily="2" charset="-122"/>
+              <a:sym typeface="+mn-lt"/>
+            </a:endParaRPr>
+          </a:p>
+        </p:txBody>
+      </p:sp>
+      <p:sp>
+        <p:nvSpPr>
+          <p:cNvPr id="11" name="文本框 38"/>
+          <p:cNvSpPr txBox="1"/>
+          <p:nvPr/>
+        </p:nvSpPr>
+        <p:spPr>
+          <a:xfrm>
+            <a:off x="529100" y="866008"/>
+            <a:ext cx="1775649" cy="375886"/>
+          </a:xfrm>
+          <a:prstGeom prst="rect">
+            <a:avLst/>
+          </a:prstGeom>
+          <a:noFill/>
+        </p:spPr>
+        <p:txBody>
+          <a:bodyPr wrap="square" lIns="128539" tIns="64269" rIns="128539" bIns="64269" rtlCol="0">
+            <a:spAutoFit/>
+          </a:bodyPr>
+          <a:lstStyle/>
+          <a:p>
+            <a:pPr algn="dist" defTabSz="1284822"/>
+            <a:r>
+              <a:rPr lang="en-US" altLang="zh-CN" sz="1599" dirty="0">
+                <a:solidFill>
+                  <a:schemeClr val="tx1">
+                    <a:lumMod val="65000"/>
+                    <a:lumOff val="35000"/>
+                  </a:schemeClr>
+                </a:solidFill>
+                <a:latin typeface="博洋行书 7000" panose="02000600000000000000" pitchFamily="2" charset="-122"/>
+                <a:ea typeface="博洋行书 7000" panose="02000600000000000000" pitchFamily="2" charset="-122"/>
+                <a:cs typeface="博洋行书 7000" panose="02000600000000000000" pitchFamily="2" charset="-122"/>
+                <a:sym typeface="+mn-lt"/>
+              </a:rPr>
+              <a:t>introduction</a:t>
+            </a:r>
+          </a:p>
+        </p:txBody>
+      </p:sp>
+      <p:sp>
+        <p:nvSpPr>
+          <p:cNvPr id="4" name="日期占位符 3"/>
+          <p:cNvSpPr>
+            <a:spLocks noGrp="1"/>
+          </p:cNvSpPr>
+          <p:nvPr>
+            <p:ph type="dt" sz="half" idx="10"/>
+          </p:nvPr>
+        </p:nvSpPr>
+        <p:spPr/>
+        <p:txBody>
+          <a:bodyPr/>
+          <a:lstStyle/>
+          <a:p>
+            <a:fld id="{B1B8AE59-1B73-4E84-98C7-193348E90160}" type="datetime1">
+              <a:rPr lang="zh-CN" altLang="en-US" smtClean="0"/>
+              <a:t>2021/5/12</a:t>
+            </a:fld>
+            <a:endParaRPr lang="zh-CN" altLang="en-US"/>
+          </a:p>
+        </p:txBody>
+      </p:sp>
+      <p:sp>
+        <p:nvSpPr>
+          <p:cNvPr id="8" name="灯片编号占位符 7"/>
+          <p:cNvSpPr>
+            <a:spLocks noGrp="1"/>
+          </p:cNvSpPr>
+          <p:nvPr>
+            <p:ph type="sldNum" sz="quarter" idx="12"/>
+          </p:nvPr>
+        </p:nvSpPr>
+        <p:spPr/>
+        <p:txBody>
+          <a:bodyPr/>
+          <a:lstStyle/>
+          <a:p>
+            <a:fld id="{06D2EDEE-018F-4012-A1B4-6387EBE5E632}" type="slidenum">
+              <a:rPr lang="zh-CN" altLang="en-US" smtClean="0"/>
+              <a:t>15</a:t>
+            </a:fld>
+            <a:endParaRPr lang="zh-CN" altLang="en-US"/>
+          </a:p>
+        </p:txBody>
+      </p:sp>
+      <p:sp>
+        <p:nvSpPr>
+          <p:cNvPr id="2" name="矩形 1">
+            <a:extLst>
+              <a:ext uri="{FF2B5EF4-FFF2-40B4-BE49-F238E27FC236}">
+                <a16:creationId xmlns:a16="http://schemas.microsoft.com/office/drawing/2014/main" id="{3799564E-39DF-402B-BC1D-0AF7947B25B9}"/>
+              </a:ext>
+            </a:extLst>
+          </p:cNvPr>
+          <p:cNvSpPr/>
+          <p:nvPr/>
+        </p:nvSpPr>
+        <p:spPr>
+          <a:xfrm>
+            <a:off x="1897380" y="5154761"/>
+            <a:ext cx="6926580" cy="646331"/>
+          </a:xfrm>
+          <a:prstGeom prst="rect">
+            <a:avLst/>
+          </a:prstGeom>
+        </p:spPr>
+        <p:txBody>
+          <a:bodyPr wrap="square">
+            <a:spAutoFit/>
+          </a:bodyPr>
+          <a:lstStyle/>
+          <a:p>
+            <a:r>
+              <a:rPr lang="zh-CN" altLang="en-US" dirty="0">
+                <a:hlinkClick r:id="rId2"/>
+              </a:rPr>
+              <a:t>https://github.com/RichardoMrMu/awesome-gaze-estimation-new</a:t>
+            </a:r>
+            <a:endParaRPr lang="en-US" altLang="zh-CN" dirty="0"/>
+          </a:p>
+          <a:p>
+            <a:r>
+              <a:rPr lang="en-US" altLang="zh-CN" dirty="0"/>
+              <a:t>https://github.com/RichardoMrMu/gaze-estimation-paper</a:t>
+            </a:r>
+            <a:endParaRPr lang="zh-CN" altLang="en-US" dirty="0"/>
+          </a:p>
+        </p:txBody>
+      </p:sp>
+      <p:pic>
+        <p:nvPicPr>
+          <p:cNvPr id="3" name="图片 2">
+            <a:extLst>
+              <a:ext uri="{FF2B5EF4-FFF2-40B4-BE49-F238E27FC236}">
+                <a16:creationId xmlns:a16="http://schemas.microsoft.com/office/drawing/2014/main" id="{23857782-802D-4A36-9C8D-725C38941DCC}"/>
+              </a:ext>
+            </a:extLst>
+          </p:cNvPr>
+          <p:cNvPicPr>
+            <a:picLocks noChangeAspect="1"/>
+          </p:cNvPicPr>
+          <p:nvPr/>
+        </p:nvPicPr>
+        <p:blipFill>
+          <a:blip r:embed="rId3"/>
+          <a:stretch>
+            <a:fillRect/>
+          </a:stretch>
+        </p:blipFill>
+        <p:spPr>
+          <a:xfrm>
+            <a:off x="1563994" y="1980711"/>
+            <a:ext cx="8298899" cy="2057578"/>
+          </a:xfrm>
+          <a:prstGeom prst="rect">
+            <a:avLst/>
+          </a:prstGeom>
+        </p:spPr>
+      </p:pic>
+      <p:pic>
+        <p:nvPicPr>
+          <p:cNvPr id="6" name="图片 5">
+            <a:extLst>
+              <a:ext uri="{FF2B5EF4-FFF2-40B4-BE49-F238E27FC236}">
+                <a16:creationId xmlns:a16="http://schemas.microsoft.com/office/drawing/2014/main" id="{FCB7E309-9C8C-4CDA-97A1-20392BE55F7F}"/>
+              </a:ext>
+            </a:extLst>
+          </p:cNvPr>
+          <p:cNvPicPr>
+            <a:picLocks noChangeAspect="1"/>
+          </p:cNvPicPr>
+          <p:nvPr/>
+        </p:nvPicPr>
+        <p:blipFill>
+          <a:blip r:embed="rId4"/>
+          <a:stretch>
+            <a:fillRect/>
+          </a:stretch>
+        </p:blipFill>
+        <p:spPr>
+          <a:xfrm>
+            <a:off x="1053707" y="864240"/>
+            <a:ext cx="9655377" cy="5364945"/>
+          </a:xfrm>
+          <a:prstGeom prst="rect">
+            <a:avLst/>
+          </a:prstGeom>
+        </p:spPr>
+      </p:pic>
+    </p:spTree>
+    <p:extLst>
+      <p:ext uri="{BB962C8B-B14F-4D97-AF65-F5344CB8AC3E}">
+        <p14:creationId xmlns:p14="http://schemas.microsoft.com/office/powerpoint/2010/main" val="2158849482"/>
+      </p:ext>
+    </p:extLst>
+  </p:cSld>
+  <p:clrMapOvr>
+    <a:masterClrMapping/>
+  </p:clrMapOvr>
+  <mc:AlternateContent xmlns:mc="http://schemas.openxmlformats.org/markup-compatibility/2006">
+    <mc:Choice xmlns:p159="http://schemas.microsoft.com/office/powerpoint/2015/09/main" Requires="p159">
+      <p:transition xmlns:p14="http://schemas.microsoft.com/office/powerpoint/2010/main" spd="slow" p14:dur="2000">
+        <p159:morph option="byObject"/>
+      </p:transition>
+    </mc:Choice>
+    <mc:Fallback>
+      <p:transition spd="slow">
+        <p:fade/>
+      </p:transition>
+    </mc:Fallback>
+  </mc:AlternateContent>
+  <p:timing>
+    <p:tnLst>
+      <p:par>
+        <p:cTn id="1" dur="indefinite" restart="never" nodeType="tmRoot">
+          <p:childTnLst>
+            <p:seq concurrent="1" nextAc="seek">
+              <p:cTn id="2" dur="indefinite" nodeType="mainSeq">
+                <p:childTnLst>
+                  <p:par>
+                    <p:cTn id="3" fill="hold">
+                      <p:stCondLst>
+                        <p:cond delay="indefinite"/>
+                      </p:stCondLst>
+                      <p:childTnLst>
+                        <p:par>
+                          <p:cTn id="4" fill="hold">
+                            <p:stCondLst>
+                              <p:cond delay="0"/>
+                            </p:stCondLst>
+                            <p:childTnLst>
+                              <p:par>
+                                <p:cTn id="5" presetID="1" presetClass="entr" presetSubtype="0" fill="hold" nodeType="clickEffect">
+                                  <p:stCondLst>
+                                    <p:cond delay="0"/>
+                                  </p:stCondLst>
+                                  <p:childTnLst>
+                                    <p:set>
+                                      <p:cBhvr>
+                                        <p:cTn id="6" dur="1" fill="hold">
+                                          <p:stCondLst>
+                                            <p:cond delay="0"/>
+                                          </p:stCondLst>
+                                        </p:cTn>
+                                        <p:tgtEl>
+                                          <p:spTgt spid="6"/>
+                                        </p:tgtEl>
+                                        <p:attrNameLst>
+                                          <p:attrName>style.visibility</p:attrName>
+                                        </p:attrNameLst>
+                                      </p:cBhvr>
+                                      <p:to>
+                                        <p:strVal val="visible"/>
+                                      </p:to>
+                                    </p:set>
+                                  </p:childTnLst>
+                                </p:cTn>
+                              </p:par>
+                            </p:childTnLst>
+                          </p:cTn>
+                        </p:par>
+                      </p:childTnLst>
+                    </p:cTn>
+                  </p:par>
+                </p:childTnLst>
+              </p:cTn>
+              <p:prevCondLst>
+                <p:cond evt="onPrev" delay="0">
+                  <p:tgtEl>
+                    <p:sldTgt/>
+                  </p:tgtEl>
+                </p:cond>
+              </p:prevCondLst>
+              <p:nextCondLst>
+                <p:cond evt="onNext" delay="0">
+                  <p:tgtEl>
+                    <p:sldTgt/>
+                  </p:tgtEl>
+                </p:cond>
+              </p:nextCondLst>
+            </p:seq>
+          </p:childTnLst>
+        </p:cTn>
+      </p:par>
+    </p:tnLst>
+  </p:timing>
+</p:sld>
+</file>
+
+<file path=ppt/slides/slide16.xml><?xml version="1.0" encoding="utf-8"?>
+<p:sld xmlns:a="http://schemas.openxmlformats.org/drawingml/2006/main" xmlns:r="http://schemas.openxmlformats.org/officeDocument/2006/relationships" xmlns:p="http://schemas.openxmlformats.org/presentationml/2006/main">
+  <p:cSld>
+    <p:spTree>
+      <p:nvGrpSpPr>
+        <p:cNvPr id="1" name=""/>
+        <p:cNvGrpSpPr/>
+        <p:nvPr/>
+      </p:nvGrpSpPr>
+      <p:grpSpPr>
+        <a:xfrm>
+          <a:off x="0" y="0"/>
+          <a:ext cx="0" cy="0"/>
+          <a:chOff x="0" y="0"/>
+          <a:chExt cx="0" cy="0"/>
+        </a:xfrm>
+      </p:grpSpPr>
+      <p:pic>
+        <p:nvPicPr>
+          <p:cNvPr id="2" name="图片 1">
+            <a:extLst>
+              <a:ext uri="{FF2B5EF4-FFF2-40B4-BE49-F238E27FC236}">
+                <a16:creationId xmlns:a16="http://schemas.microsoft.com/office/drawing/2014/main" id="{F8C4C03F-6330-472A-A897-63E4F3631545}"/>
+              </a:ext>
+            </a:extLst>
+          </p:cNvPr>
+          <p:cNvPicPr>
+            <a:picLocks noChangeAspect="1"/>
+          </p:cNvPicPr>
+          <p:nvPr/>
+        </p:nvPicPr>
+        <p:blipFill>
+          <a:blip r:embed="rId2"/>
+          <a:stretch>
+            <a:fillRect/>
+          </a:stretch>
+        </p:blipFill>
+        <p:spPr>
+          <a:xfrm>
+            <a:off x="3327693" y="361684"/>
+            <a:ext cx="5182049" cy="6134632"/>
+          </a:xfrm>
+          <a:prstGeom prst="rect">
+            <a:avLst/>
+          </a:prstGeom>
+        </p:spPr>
+      </p:pic>
+    </p:spTree>
+    <p:extLst>
+      <p:ext uri="{BB962C8B-B14F-4D97-AF65-F5344CB8AC3E}">
+        <p14:creationId xmlns:p14="http://schemas.microsoft.com/office/powerpoint/2010/main" val="3016509328"/>
+      </p:ext>
+    </p:extLst>
+  </p:cSld>
+  <p:clrMapOvr>
+    <a:masterClrMapping/>
+  </p:clrMapOvr>
 </p:sld>
 </file>
 
@@ -6167,7 +7762,7 @@
           <a:p>
             <a:fld id="{BC6E4EF5-247A-4FA9-A600-5A7AD608BA68}" type="datetime1">
               <a:rPr lang="zh-CN" altLang="en-US" smtClean="0"/>
-              <a:t>2021/5/9</a:t>
+              <a:t>2021/5/12</a:t>
             </a:fld>
             <a:endParaRPr lang="zh-CN" altLang="en-US"/>
           </a:p>
@@ -6206,15 +7801,15 @@
   <p:clrMapOvr>
     <a:masterClrMapping/>
   </p:clrMapOvr>
-  <mc:AlternateContent xmlns:mc="http://schemas.openxmlformats.org/markup-compatibility/2006" xmlns:p14="http://schemas.microsoft.com/office/powerpoint/2010/main">
-    <mc:Choice Requires="p14">
-      <p:transition>
-        <p:push dir="d"/>
+  <mc:AlternateContent xmlns:mc="http://schemas.openxmlformats.org/markup-compatibility/2006">
+    <mc:Choice xmlns:p159="http://schemas.microsoft.com/office/powerpoint/2015/09/main" Requires="p159">
+      <p:transition xmlns:p14="http://schemas.microsoft.com/office/powerpoint/2010/main" spd="slow" p14:dur="2000">
+        <p159:morph option="byObject"/>
       </p:transition>
     </mc:Choice>
-    <mc:Fallback xmlns="">
-      <p:transition>
-        <p:push dir="d"/>
+    <mc:Fallback>
+      <p:transition spd="slow">
+        <p:fade/>
       </p:transition>
     </mc:Fallback>
   </mc:AlternateContent>
@@ -7641,7 +9236,7 @@
           <a:p>
             <a:fld id="{A6708CF1-B1C8-4D2B-835B-5AEB69117A73}" type="datetime1">
               <a:rPr lang="zh-CN" altLang="en-US" smtClean="0"/>
-              <a:t>2021/5/9</a:t>
+              <a:t>2021/5/12</a:t>
             </a:fld>
             <a:endParaRPr lang="zh-CN" altLang="en-US"/>
           </a:p>
@@ -7680,15 +9275,15 @@
   <p:clrMapOvr>
     <a:masterClrMapping/>
   </p:clrMapOvr>
-  <mc:AlternateContent xmlns:mc="http://schemas.openxmlformats.org/markup-compatibility/2006" xmlns:p14="http://schemas.microsoft.com/office/powerpoint/2010/main">
-    <mc:Choice Requires="p14">
-      <p:transition>
-        <p:push dir="u"/>
+  <mc:AlternateContent xmlns:mc="http://schemas.openxmlformats.org/markup-compatibility/2006">
+    <mc:Choice xmlns:p159="http://schemas.microsoft.com/office/powerpoint/2015/09/main" Requires="p159">
+      <p:transition xmlns:p14="http://schemas.microsoft.com/office/powerpoint/2010/main" spd="slow" p14:dur="2000">
+        <p159:morph option="byObject"/>
       </p:transition>
     </mc:Choice>
-    <mc:Fallback xmlns="">
-      <p:transition>
-        <p:push dir="u"/>
+    <mc:Fallback>
+      <p:transition spd="slow">
+        <p:fade/>
       </p:transition>
     </mc:Fallback>
   </mc:AlternateContent>
@@ -8233,7 +9828,7 @@
           <a:p>
             <a:fld id="{0200CB59-8756-41FA-BCFE-A5BA07116995}" type="datetime1">
               <a:rPr lang="zh-CN" altLang="en-US" smtClean="0"/>
-              <a:t>2021/5/9</a:t>
+              <a:t>2021/5/12</a:t>
             </a:fld>
             <a:endParaRPr lang="zh-CN" altLang="en-US"/>
           </a:p>
@@ -8272,15 +9867,15 @@
   <p:clrMapOvr>
     <a:masterClrMapping/>
   </p:clrMapOvr>
-  <mc:AlternateContent xmlns:mc="http://schemas.openxmlformats.org/markup-compatibility/2006" xmlns:p14="http://schemas.microsoft.com/office/powerpoint/2010/main">
-    <mc:Choice Requires="p14">
-      <p:transition>
-        <p:comb dir="vert"/>
+  <mc:AlternateContent xmlns:mc="http://schemas.openxmlformats.org/markup-compatibility/2006">
+    <mc:Choice xmlns:p159="http://schemas.microsoft.com/office/powerpoint/2015/09/main" Requires="p159">
+      <p:transition xmlns:p14="http://schemas.microsoft.com/office/powerpoint/2010/main" spd="slow" p14:dur="2000">
+        <p159:morph option="byObject"/>
       </p:transition>
     </mc:Choice>
-    <mc:Fallback xmlns="">
-      <p:transition>
-        <p:comb dir="vert"/>
+    <mc:Fallback>
+      <p:transition spd="slow">
+        <p:fade/>
       </p:transition>
     </mc:Fallback>
   </mc:AlternateContent>
@@ -8429,7 +10024,7 @@
           <a:p>
             <a:fld id="{0200CB59-8756-41FA-BCFE-A5BA07116995}" type="datetime1">
               <a:rPr lang="zh-CN" altLang="en-US" smtClean="0"/>
-              <a:t>2021/5/9</a:t>
+              <a:t>2021/5/12</a:t>
             </a:fld>
             <a:endParaRPr lang="zh-CN" altLang="en-US"/>
           </a:p>
@@ -8492,15 +10087,15 @@
   <p:clrMapOvr>
     <a:masterClrMapping/>
   </p:clrMapOvr>
-  <mc:AlternateContent xmlns:mc="http://schemas.openxmlformats.org/markup-compatibility/2006" xmlns:p14="http://schemas.microsoft.com/office/powerpoint/2010/main">
-    <mc:Choice Requires="p14">
-      <p:transition>
-        <p:comb dir="vert"/>
+  <mc:AlternateContent xmlns:mc="http://schemas.openxmlformats.org/markup-compatibility/2006">
+    <mc:Choice xmlns:p159="http://schemas.microsoft.com/office/powerpoint/2015/09/main" Requires="p159">
+      <p:transition xmlns:p14="http://schemas.microsoft.com/office/powerpoint/2010/main" spd="slow" p14:dur="2000">
+        <p159:morph option="byObject"/>
       </p:transition>
     </mc:Choice>
-    <mc:Fallback xmlns="">
-      <p:transition>
-        <p:comb dir="vert"/>
+    <mc:Fallback>
+      <p:transition spd="slow">
+        <p:fade/>
       </p:transition>
     </mc:Fallback>
   </mc:AlternateContent>
@@ -8649,7 +10244,7 @@
           <a:p>
             <a:fld id="{0200CB59-8756-41FA-BCFE-A5BA07116995}" type="datetime1">
               <a:rPr lang="zh-CN" altLang="en-US" smtClean="0"/>
-              <a:t>2021/5/9</a:t>
+              <a:t>2021/5/12</a:t>
             </a:fld>
             <a:endParaRPr lang="zh-CN" altLang="en-US"/>
           </a:p>
@@ -8712,15 +10307,15 @@
   <p:clrMapOvr>
     <a:masterClrMapping/>
   </p:clrMapOvr>
-  <mc:AlternateContent xmlns:mc="http://schemas.openxmlformats.org/markup-compatibility/2006" xmlns:p14="http://schemas.microsoft.com/office/powerpoint/2010/main">
-    <mc:Choice Requires="p14">
-      <p:transition>
-        <p:comb dir="vert"/>
+  <mc:AlternateContent xmlns:mc="http://schemas.openxmlformats.org/markup-compatibility/2006">
+    <mc:Choice xmlns:p159="http://schemas.microsoft.com/office/powerpoint/2015/09/main" Requires="p159">
+      <p:transition xmlns:p14="http://schemas.microsoft.com/office/powerpoint/2010/main" spd="slow" p14:dur="2000">
+        <p159:morph option="byObject"/>
       </p:transition>
     </mc:Choice>
-    <mc:Fallback xmlns="">
-      <p:transition>
-        <p:comb dir="vert"/>
+    <mc:Fallback>
+      <p:transition spd="slow">
+        <p:fade/>
       </p:transition>
     </mc:Fallback>
   </mc:AlternateContent>
@@ -8869,7 +10464,7 @@
           <a:p>
             <a:fld id="{B1B8AE59-1B73-4E84-98C7-193348E90160}" type="datetime1">
               <a:rPr lang="zh-CN" altLang="en-US" smtClean="0"/>
-              <a:t>2021/5/9</a:t>
+              <a:t>2021/5/12</a:t>
             </a:fld>
             <a:endParaRPr lang="zh-CN" altLang="en-US"/>
           </a:p>
@@ -8920,21 +10515,21 @@
           <a:lstStyle/>
           <a:p>
             <a:r>
-              <a:rPr lang="en-US" altLang="zh-CN" sz="2399" b="1" dirty="0" smtClean="0">
+              <a:rPr lang="en-US" altLang="zh-CN" sz="2399" b="1" dirty="0">
                 <a:latin typeface="Times New Roman" panose="02020603050405020304" pitchFamily="18" charset="0"/>
                 <a:cs typeface="Times New Roman" panose="02020603050405020304" pitchFamily="18" charset="0"/>
               </a:rPr>
               <a:t>Why deep learning-based gaze estimation</a:t>
             </a:r>
             <a:r>
-              <a:rPr lang="zh-CN" altLang="en-US" sz="2399" b="1" dirty="0" smtClean="0">
+              <a:rPr lang="zh-CN" altLang="en-US" sz="2399" b="1" dirty="0">
                 <a:latin typeface="Times New Roman" panose="02020603050405020304" pitchFamily="18" charset="0"/>
                 <a:cs typeface="Times New Roman" panose="02020603050405020304" pitchFamily="18" charset="0"/>
               </a:rPr>
               <a:t>？</a:t>
             </a:r>
             <a:r>
-              <a:rPr lang="en-US" altLang="zh-CN" sz="2399" b="1" dirty="0" smtClean="0">
+              <a:rPr lang="en-US" altLang="zh-CN" sz="2399" b="1" dirty="0">
                 <a:latin typeface="Times New Roman" panose="02020603050405020304" pitchFamily="18" charset="0"/>
                 <a:cs typeface="Times New Roman" panose="02020603050405020304" pitchFamily="18" charset="0"/>
               </a:rPr>
@@ -9020,25 +10615,18 @@
   <p:clrMapOvr>
     <a:masterClrMapping/>
   </p:clrMapOvr>
-  <mc:AlternateContent xmlns:mc="http://schemas.openxmlformats.org/markup-compatibility/2006" xmlns:p14="http://schemas.microsoft.com/office/powerpoint/2010/main">
-    <mc:Choice Requires="p14">
-      <p:transition>
-        <p:comb dir="vert"/>
+  <mc:AlternateContent xmlns:mc="http://schemas.openxmlformats.org/markup-compatibility/2006">
+    <mc:Choice xmlns:p159="http://schemas.microsoft.com/office/powerpoint/2015/09/main" Requires="p159">
+      <p:transition xmlns:p14="http://schemas.microsoft.com/office/powerpoint/2010/main" spd="slow" p14:dur="2000">
+        <p159:morph option="byObject"/>
       </p:transition>
     </mc:Choice>
-    <mc:Fallback xmlns="">
-      <p:transition>
-        <p:comb dir="vert"/>
+    <mc:Fallback>
+      <p:transition spd="slow">
+        <p:fade/>
       </p:transition>
     </mc:Fallback>
   </mc:AlternateContent>
-  <p:timing>
-    <p:tnLst>
-      <p:par>
-        <p:cTn id="1" dur="indefinite" restart="never" nodeType="tmRoot"/>
-      </p:par>
-    </p:tnLst>
-  </p:timing>
 </p:sld>
 </file>
 
@@ -9184,7 +10772,7 @@
           <a:p>
             <a:fld id="{B1B8AE59-1B73-4E84-98C7-193348E90160}" type="datetime1">
               <a:rPr lang="zh-CN" altLang="en-US" smtClean="0"/>
-              <a:t>2021/5/9</a:t>
+              <a:t>2021/5/12</a:t>
             </a:fld>
             <a:endParaRPr lang="zh-CN" altLang="en-US"/>
           </a:p>
@@ -9247,25 +10835,18 @@
   <p:clrMapOvr>
     <a:masterClrMapping/>
   </p:clrMapOvr>
-  <mc:AlternateContent xmlns:mc="http://schemas.openxmlformats.org/markup-compatibility/2006" xmlns:p14="http://schemas.microsoft.com/office/powerpoint/2010/main">
-    <mc:Choice Requires="p14">
-      <p:transition>
-        <p:comb dir="vert"/>
+  <mc:AlternateContent xmlns:mc="http://schemas.openxmlformats.org/markup-compatibility/2006">
+    <mc:Choice xmlns:p159="http://schemas.microsoft.com/office/powerpoint/2015/09/main" Requires="p159">
+      <p:transition xmlns:p14="http://schemas.microsoft.com/office/powerpoint/2010/main" spd="slow" p14:dur="2000">
+        <p159:morph option="byObject"/>
       </p:transition>
     </mc:Choice>
-    <mc:Fallback xmlns="">
-      <p:transition>
-        <p:comb dir="vert"/>
+    <mc:Fallback>
+      <p:transition spd="slow">
+        <p:fade/>
       </p:transition>
     </mc:Fallback>
   </mc:AlternateContent>
-  <p:timing>
-    <p:tnLst>
-      <p:par>
-        <p:cTn id="1" dur="indefinite" restart="never" nodeType="tmRoot"/>
-      </p:par>
-    </p:tnLst>
-  </p:timing>
 </p:sld>
 </file>
 
@@ -9411,7 +10992,7 @@
           <a:p>
             <a:fld id="{B1B8AE59-1B73-4E84-98C7-193348E90160}" type="datetime1">
               <a:rPr lang="zh-CN" altLang="en-US" smtClean="0"/>
-              <a:t>2021/5/9</a:t>
+              <a:t>2021/5/12</a:t>
             </a:fld>
             <a:endParaRPr lang="zh-CN" altLang="en-US"/>
           </a:p>
@@ -9559,7 +11140,7 @@
           <a:lstStyle/>
           <a:p>
             <a:r>
-              <a:rPr lang="en-US" altLang="zh-CN" dirty="0" smtClean="0"/>
+              <a:rPr lang="en-US" altLang="zh-CN" dirty="0"/>
               <a:t>1.Gaze estimation with eye images</a:t>
             </a:r>
             <a:endParaRPr lang="zh-CN" altLang="en-US" dirty="0"/>
@@ -9589,7 +11170,7 @@
           <a:lstStyle/>
           <a:p>
             <a:r>
-              <a:rPr lang="en-US" altLang="zh-CN" dirty="0" smtClean="0"/>
+              <a:rPr lang="en-US" altLang="zh-CN" dirty="0"/>
               <a:t>2.Gaze estimation with face images</a:t>
             </a:r>
             <a:endParaRPr lang="zh-CN" altLang="en-US" dirty="0"/>
@@ -9619,7 +11200,7 @@
           <a:lstStyle/>
           <a:p>
             <a:r>
-              <a:rPr lang="en-US" altLang="zh-CN" dirty="0" smtClean="0"/>
+              <a:rPr lang="en-US" altLang="zh-CN" dirty="0"/>
               <a:t>3.Gaze estimation with face and eye images</a:t>
             </a:r>
             <a:endParaRPr lang="zh-CN" altLang="en-US" dirty="0"/>
@@ -9636,25 +11217,18 @@
   <p:clrMapOvr>
     <a:masterClrMapping/>
   </p:clrMapOvr>
-  <mc:AlternateContent xmlns:mc="http://schemas.openxmlformats.org/markup-compatibility/2006" xmlns:p14="http://schemas.microsoft.com/office/powerpoint/2010/main">
-    <mc:Choice Requires="p14">
-      <p:transition>
-        <p:comb dir="vert"/>
+  <mc:AlternateContent xmlns:mc="http://schemas.openxmlformats.org/markup-compatibility/2006">
+    <mc:Choice xmlns:p159="http://schemas.microsoft.com/office/powerpoint/2015/09/main" Requires="p159">
+      <p:transition xmlns:p14="http://schemas.microsoft.com/office/powerpoint/2010/main" spd="slow" p14:dur="2000">
+        <p159:morph option="byObject"/>
       </p:transition>
     </mc:Choice>
-    <mc:Fallback xmlns="">
-      <p:transition>
-        <p:comb dir="vert"/>
+    <mc:Fallback>
+      <p:transition spd="slow">
+        <p:fade/>
       </p:transition>
     </mc:Fallback>
   </mc:AlternateContent>
-  <p:timing>
-    <p:tnLst>
-      <p:par>
-        <p:cTn id="1" dur="indefinite" restart="never" nodeType="tmRoot"/>
-      </p:par>
-    </p:tnLst>
-  </p:timing>
 </p:sld>
 </file>
 
